--- a/python-for-beginners/Slides/13 - Functions.pptx
+++ b/python-for-beginners/Slides/13 - Functions.pptx
@@ -638,7 +638,7 @@
               <a:rPr lang="en-US" smtClean="0">
                 <a:latin typeface="Segoe UI" pitchFamily="34" charset="0"/>
               </a:rPr>
-              <a:t>6/10/2019 3:13 PM</a:t>
+              <a:t>7/17/2020 8:53 PM</a:t>
             </a:fld>
             <a:endParaRPr lang="en-US" dirty="0">
               <a:latin typeface="Segoe UI" pitchFamily="34" charset="0"/>
@@ -916,7 +916,7 @@
           <a:p>
             <a:fld id="{38EEC551-8CDA-4EB6-89BB-2A86C9F091C8}" type="datetime8">
               <a:rPr lang="en-US" smtClean="0"/>
-              <a:t>6/10/2019 3:13 PM</a:t>
+              <a:t>7/17/2020 8:53 PM</a:t>
             </a:fld>
             <a:endParaRPr lang="en-US" dirty="0"/>
           </a:p>
@@ -1250,7 +1250,7 @@
           <a:p>
             <a:fld id="{6108602D-D426-4C00-B215-BFA18C076426}" type="datetime8">
               <a:rPr lang="en-US" smtClean="0"/>
-              <a:t>6/10/2019 3:13 PM</a:t>
+              <a:t>7/17/2020 8:55 PM</a:t>
             </a:fld>
             <a:endParaRPr lang="en-US" dirty="0"/>
           </a:p>
@@ -1415,7 +1415,7 @@
           <a:p>
             <a:fld id="{6108602D-D426-4C00-B215-BFA18C076426}" type="datetime8">
               <a:rPr lang="en-US" smtClean="0"/>
-              <a:t>6/10/2019 3:13 PM</a:t>
+              <a:t>7/17/2020 9:00 PM</a:t>
             </a:fld>
             <a:endParaRPr lang="en-US" dirty="0"/>
           </a:p>
@@ -1580,7 +1580,7 @@
           <a:p>
             <a:fld id="{6108602D-D426-4C00-B215-BFA18C076426}" type="datetime8">
               <a:rPr lang="en-US" smtClean="0"/>
-              <a:t>6/10/2019 3:13 PM</a:t>
+              <a:t>7/17/2020 9:02 PM</a:t>
             </a:fld>
             <a:endParaRPr lang="en-US" dirty="0"/>
           </a:p>
@@ -1745,7 +1745,7 @@
           <a:p>
             <a:fld id="{6108602D-D426-4C00-B215-BFA18C076426}" type="datetime8">
               <a:rPr lang="en-US" smtClean="0"/>
-              <a:t>6/10/2019 3:13 PM</a:t>
+              <a:t>7/17/2020 9:03 PM</a:t>
             </a:fld>
             <a:endParaRPr lang="en-US" dirty="0"/>
           </a:p>
@@ -1910,7 +1910,7 @@
           <a:p>
             <a:fld id="{6108602D-D426-4C00-B215-BFA18C076426}" type="datetime8">
               <a:rPr lang="en-US" smtClean="0"/>
-              <a:t>6/10/2019 3:13 PM</a:t>
+              <a:t>7/17/2020 9:05 PM</a:t>
             </a:fld>
             <a:endParaRPr lang="en-US" dirty="0"/>
           </a:p>
@@ -2075,7 +2075,7 @@
           <a:p>
             <a:fld id="{6108602D-D426-4C00-B215-BFA18C076426}" type="datetime8">
               <a:rPr lang="en-US" smtClean="0"/>
-              <a:t>6/10/2019 3:13 PM</a:t>
+              <a:t>7/17/2020 9:07 PM</a:t>
             </a:fld>
             <a:endParaRPr lang="en-US" dirty="0"/>
           </a:p>
@@ -2240,7 +2240,7 @@
           <a:p>
             <a:fld id="{6108602D-D426-4C00-B215-BFA18C076426}" type="datetime8">
               <a:rPr lang="en-US" smtClean="0"/>
-              <a:t>6/10/2019 3:13 PM</a:t>
+              <a:t>7/17/2020 9:09 PM</a:t>
             </a:fld>
             <a:endParaRPr lang="en-US" dirty="0"/>
           </a:p>
@@ -40538,13 +40538,18 @@
           </a:lstStyle>
           <a:p>
             <a:r>
-              <a:rPr lang="en-US" dirty="0">
+              <a:rPr lang="en-US" dirty="0" err="1">
                 <a:solidFill>
                   <a:schemeClr val="bg1"/>
                 </a:solidFill>
               </a:rPr>
-              <a:t>Functions</a:t>
-            </a:r>
+              <a:t>Funções</a:t>
+            </a:r>
+            <a:endParaRPr lang="en-US" dirty="0">
+              <a:solidFill>
+                <a:schemeClr val="bg1"/>
+              </a:solidFill>
+            </a:endParaRPr>
           </a:p>
         </p:txBody>
       </p:sp>
@@ -40598,14 +40603,16 @@
         </p:nvSpPr>
         <p:spPr/>
         <p:txBody>
-          <a:bodyPr/>
+          <a:bodyPr>
+            <a:noAutofit/>
+          </a:bodyPr>
           <a:lstStyle/>
           <a:p>
             <a:r>
-              <a:rPr lang="en-US" b="1" dirty="0"/>
-              <a:t>Functions that return values allow clever code, but you might trade readability for less code</a:t>
-            </a:r>
-            <a:endParaRPr lang="en-US" dirty="0"/>
+              <a:rPr lang="pt-BR" sz="3600" b="1" dirty="0"/>
+              <a:t>As funções que retornam valores permitem um código inteligente, mas você pode trocar a legibilidade por menos código</a:t>
+            </a:r>
+            <a:endParaRPr lang="en-US" sz="3600" dirty="0"/>
           </a:p>
         </p:txBody>
       </p:sp>
@@ -40622,7 +40629,7 @@
         <p:spPr>
           <a:xfrm>
             <a:off x="365760" y="1897062"/>
-            <a:ext cx="11704320" cy="4047262"/>
+            <a:ext cx="11704320" cy="3493264"/>
           </a:xfrm>
         </p:spPr>
         <p:txBody>
@@ -40630,91 +40637,171 @@
           <a:lstStyle/>
           <a:p>
             <a:r>
-              <a:rPr lang="en-US" sz="2400" dirty="0"/>
+              <a:rPr lang="en-US" sz="2000" dirty="0"/>
               <a:t>def </a:t>
             </a:r>
             <a:r>
-              <a:rPr lang="en-US" sz="2400" dirty="0" err="1"/>
+              <a:rPr lang="en-US" sz="2000" dirty="0" err="1"/>
               <a:t>get_initial</a:t>
             </a:r>
             <a:r>
-              <a:rPr lang="en-US" sz="2400" dirty="0"/>
+              <a:rPr lang="en-US" sz="2000" dirty="0"/>
               <a:t>(name):</a:t>
             </a:r>
           </a:p>
           <a:p>
             <a:r>
-              <a:rPr lang="en-US" sz="2400" dirty="0"/>
+              <a:rPr lang="en-US" sz="2000" dirty="0"/>
               <a:t>	initial = name[0:1].upper()</a:t>
             </a:r>
           </a:p>
           <a:p>
             <a:r>
-              <a:rPr lang="en-US" sz="2400" dirty="0"/>
+              <a:rPr lang="en-US" sz="2000" dirty="0"/>
               <a:t>	return initial</a:t>
             </a:r>
           </a:p>
           <a:p>
             <a:br>
-              <a:rPr lang="en-US" sz="2400" dirty="0"/>
+              <a:rPr lang="en-US" sz="2000" dirty="0"/>
             </a:br>
             <a:r>
-              <a:rPr lang="en-US" sz="2400" dirty="0" err="1"/>
+              <a:rPr lang="en-US" sz="2000" dirty="0" err="1"/>
               <a:t>first_name</a:t>
             </a:r>
             <a:r>
-              <a:rPr lang="en-US" sz="2400" dirty="0"/>
+              <a:rPr lang="en-US" sz="2000" dirty="0"/>
               <a:t> = input(</a:t>
             </a:r>
             <a:r>
-              <a:rPr lang="en-US" sz="2400" dirty="0">
+              <a:rPr lang="en-US" sz="2000" dirty="0">
                 <a:solidFill>
                   <a:srgbClr val="C00000"/>
                 </a:solidFill>
               </a:rPr>
-              <a:t>'Enter your first name: '</a:t>
-            </a:r>
-            <a:r>
-              <a:rPr lang="en-US" sz="2400" dirty="0">
-                <a:solidFill>
-                  <a:srgbClr val="333333"/>
-                </a:solidFill>
-              </a:rPr>
-              <a:t>)</a:t>
-            </a:r>
-          </a:p>
-          <a:p>
-            <a:r>
-              <a:rPr lang="en-US" sz="2400" dirty="0" err="1"/>
-              <a:t>last_name</a:t>
-            </a:r>
-            <a:r>
-              <a:rPr lang="en-US" sz="2400" dirty="0"/>
-              <a:t> = input(</a:t>
-            </a:r>
-            <a:r>
-              <a:rPr lang="en-US" sz="2400" dirty="0">
+              <a:t>'Informe </a:t>
+            </a:r>
+            <a:r>
+              <a:rPr lang="en-US" sz="2000" dirty="0" err="1">
                 <a:solidFill>
                   <a:srgbClr val="C00000"/>
                 </a:solidFill>
               </a:rPr>
-              <a:t>'Enter your last name: '</a:t>
-            </a:r>
-            <a:r>
-              <a:rPr lang="en-US" sz="2400" dirty="0">
+              <a:t>seu</a:t>
+            </a:r>
+            <a:r>
+              <a:rPr lang="en-US" sz="2000" dirty="0">
                 <a:solidFill>
-                  <a:srgbClr val="333333"/>
+                  <a:srgbClr val="C00000"/>
+                </a:solidFill>
+              </a:rPr>
+              <a:t> </a:t>
+            </a:r>
+            <a:r>
+              <a:rPr lang="en-US" sz="2000" dirty="0" err="1">
+                <a:solidFill>
+                  <a:srgbClr val="C00000"/>
+                </a:solidFill>
+              </a:rPr>
+              <a:t>primeiro</a:t>
+            </a:r>
+            <a:r>
+              <a:rPr lang="en-US" sz="2000" dirty="0">
+                <a:solidFill>
+                  <a:srgbClr val="C00000"/>
+                </a:solidFill>
+              </a:rPr>
+              <a:t> </a:t>
+            </a:r>
+            <a:r>
+              <a:rPr lang="en-US" sz="2000" dirty="0" err="1">
+                <a:solidFill>
+                  <a:srgbClr val="C00000"/>
+                </a:solidFill>
+              </a:rPr>
+              <a:t>nome</a:t>
+            </a:r>
+            <a:r>
+              <a:rPr lang="en-US" sz="2000" dirty="0">
+                <a:solidFill>
+                  <a:srgbClr val="C00000"/>
+                </a:solidFill>
+              </a:rPr>
+              <a:t>: '</a:t>
+            </a:r>
+            <a:r>
+              <a:rPr lang="en-US" sz="2000" dirty="0">
+                <a:solidFill>
+                  <a:srgbClr val="002050"/>
                 </a:solidFill>
               </a:rPr>
               <a:t>)</a:t>
             </a:r>
           </a:p>
           <a:p>
+            <a:r>
+              <a:rPr lang="en-US" sz="2000" dirty="0" err="1"/>
+              <a:t>last_name</a:t>
+            </a:r>
+            <a:r>
+              <a:rPr lang="en-US" sz="2000" dirty="0"/>
+              <a:t> = input(</a:t>
+            </a:r>
+            <a:r>
+              <a:rPr lang="en-US" sz="2000" dirty="0">
+                <a:solidFill>
+                  <a:srgbClr val="C00000"/>
+                </a:solidFill>
+              </a:rPr>
+              <a:t>'Informe </a:t>
+            </a:r>
+            <a:r>
+              <a:rPr lang="en-US" sz="2000" dirty="0" err="1">
+                <a:solidFill>
+                  <a:srgbClr val="C00000"/>
+                </a:solidFill>
+              </a:rPr>
+              <a:t>seu</a:t>
+            </a:r>
+            <a:r>
+              <a:rPr lang="en-US" sz="2000" dirty="0">
+                <a:solidFill>
+                  <a:srgbClr val="C00000"/>
+                </a:solidFill>
+              </a:rPr>
+              <a:t> ultimo </a:t>
+            </a:r>
+            <a:r>
+              <a:rPr lang="en-US" sz="2000" dirty="0" err="1">
+                <a:solidFill>
+                  <a:srgbClr val="C00000"/>
+                </a:solidFill>
+              </a:rPr>
+              <a:t>nome</a:t>
+            </a:r>
+            <a:r>
+              <a:rPr lang="en-US" sz="2000" dirty="0">
+                <a:solidFill>
+                  <a:srgbClr val="C00000"/>
+                </a:solidFill>
+              </a:rPr>
+              <a:t>: '</a:t>
+            </a:r>
+            <a:r>
+              <a:rPr lang="en-US" sz="2000" dirty="0">
+                <a:solidFill>
+                  <a:srgbClr val="002050"/>
+                </a:solidFill>
+              </a:rPr>
+              <a:t>)</a:t>
+            </a:r>
+          </a:p>
+          <a:p>
             <a:br>
-              <a:rPr lang="en-US" sz="2400" dirty="0"/>
+              <a:rPr lang="en-US" sz="2000" dirty="0"/>
             </a:br>
             <a:r>
-              <a:rPr lang="en-US" sz="2400" dirty="0">
+              <a:rPr lang="en-US" sz="2000" dirty="0">
                 <a:highlight>
                   <a:srgbClr val="FFFF00"/>
                 </a:highlight>
@@ -40722,7 +40809,7 @@
               <a:t>print(</a:t>
             </a:r>
             <a:r>
-              <a:rPr lang="en-US" sz="2400" dirty="0">
+              <a:rPr lang="en-US" sz="2000" dirty="0">
                 <a:solidFill>
                   <a:srgbClr val="C00000"/>
                 </a:solidFill>
@@ -40730,10 +40817,76 @@
                   <a:srgbClr val="FFFF00"/>
                 </a:highlight>
               </a:rPr>
-              <a:t>'Your initials are: ' </a:t>
-            </a:r>
-            <a:r>
-              <a:rPr lang="en-US" sz="2400" dirty="0">
+              <a:t>'</a:t>
+            </a:r>
+            <a:r>
+              <a:rPr lang="en-US" sz="2000" dirty="0" err="1">
+                <a:solidFill>
+                  <a:srgbClr val="C00000"/>
+                </a:solidFill>
+                <a:highlight>
+                  <a:srgbClr val="FFFF00"/>
+                </a:highlight>
+              </a:rPr>
+              <a:t>Suas</a:t>
+            </a:r>
+            <a:r>
+              <a:rPr lang="en-US" sz="2000" dirty="0">
+                <a:solidFill>
+                  <a:srgbClr val="C00000"/>
+                </a:solidFill>
+                <a:highlight>
+                  <a:srgbClr val="FFFF00"/>
+                </a:highlight>
+              </a:rPr>
+              <a:t> </a:t>
+            </a:r>
+            <a:r>
+              <a:rPr lang="en-US" sz="2000" dirty="0" err="1">
+                <a:solidFill>
+                  <a:srgbClr val="C00000"/>
+                </a:solidFill>
+                <a:highlight>
+                  <a:srgbClr val="FFFF00"/>
+                </a:highlight>
+              </a:rPr>
+              <a:t>iniciais</a:t>
+            </a:r>
+            <a:r>
+              <a:rPr lang="en-US" sz="2000" dirty="0">
+                <a:solidFill>
+                  <a:srgbClr val="C00000"/>
+                </a:solidFill>
+                <a:highlight>
+                  <a:srgbClr val="FFFF00"/>
+                </a:highlight>
+              </a:rPr>
+              <a:t> </a:t>
+            </a:r>
+            <a:r>
+              <a:rPr lang="en-US" sz="2000" dirty="0" err="1">
+                <a:solidFill>
+                  <a:srgbClr val="C00000"/>
+                </a:solidFill>
+                <a:highlight>
+                  <a:srgbClr val="FFFF00"/>
+                </a:highlight>
+              </a:rPr>
+              <a:t>são</a:t>
+            </a:r>
+            <a:r>
+              <a:rPr lang="en-US" sz="2000" dirty="0">
+                <a:solidFill>
+                  <a:srgbClr val="C00000"/>
+                </a:solidFill>
+                <a:highlight>
+                  <a:srgbClr val="FFFF00"/>
+                </a:highlight>
+              </a:rPr>
+              <a:t>: ' </a:t>
+            </a:r>
+            <a:r>
+              <a:rPr lang="en-US" sz="2000" dirty="0">
                 <a:highlight>
                   <a:srgbClr val="FFFF00"/>
                 </a:highlight>
@@ -40743,7 +40896,7 @@
           </a:p>
           <a:p>
             <a:r>
-              <a:rPr lang="en-US" sz="2400" dirty="0">
+              <a:rPr lang="en-US" sz="2000" dirty="0">
                 <a:highlight>
                   <a:srgbClr val="FFFF00"/>
                 </a:highlight>
@@ -40751,7 +40904,7 @@
               <a:t>	+ </a:t>
             </a:r>
             <a:r>
-              <a:rPr lang="en-US" sz="2400" dirty="0" err="1">
+              <a:rPr lang="en-US" sz="2000" dirty="0" err="1">
                 <a:highlight>
                   <a:srgbClr val="FFFF00"/>
                 </a:highlight>
@@ -40759,7 +40912,7 @@
               <a:t>get_initial</a:t>
             </a:r>
             <a:r>
-              <a:rPr lang="en-US" sz="2400" dirty="0">
+              <a:rPr lang="en-US" sz="2000" dirty="0">
                 <a:highlight>
                   <a:srgbClr val="FFFF00"/>
                 </a:highlight>
@@ -40767,7 +40920,7 @@
               <a:t>(</a:t>
             </a:r>
             <a:r>
-              <a:rPr lang="en-US" sz="2400" dirty="0" err="1">
+              <a:rPr lang="en-US" sz="2000" dirty="0" err="1">
                 <a:highlight>
                   <a:srgbClr val="FFFF00"/>
                 </a:highlight>
@@ -40775,7 +40928,7 @@
               <a:t>first_name</a:t>
             </a:r>
             <a:r>
-              <a:rPr lang="en-US" sz="2400" dirty="0">
+              <a:rPr lang="en-US" sz="2000" dirty="0">
                 <a:highlight>
                   <a:srgbClr val="FFFF00"/>
                 </a:highlight>
@@ -40785,7 +40938,7 @@
           </a:p>
           <a:p>
             <a:r>
-              <a:rPr lang="en-US" sz="2400" dirty="0">
+              <a:rPr lang="en-US" sz="2000" dirty="0">
                 <a:highlight>
                   <a:srgbClr val="FFFF00"/>
                 </a:highlight>
@@ -40793,7 +40946,7 @@
               <a:t>	+ </a:t>
             </a:r>
             <a:r>
-              <a:rPr lang="en-US" sz="2400" dirty="0" err="1">
+              <a:rPr lang="en-US" sz="2000" dirty="0" err="1">
                 <a:highlight>
                   <a:srgbClr val="FFFF00"/>
                 </a:highlight>
@@ -40801,7 +40954,7 @@
               <a:t>get_initial</a:t>
             </a:r>
             <a:r>
-              <a:rPr lang="en-US" sz="2400" dirty="0">
+              <a:rPr lang="en-US" sz="2000" dirty="0">
                 <a:highlight>
                   <a:srgbClr val="FFFF00"/>
                 </a:highlight>
@@ -40809,7 +40962,7 @@
               <a:t>(</a:t>
             </a:r>
             <a:r>
-              <a:rPr lang="en-US" sz="2400" dirty="0" err="1">
+              <a:rPr lang="en-US" sz="2000" dirty="0" err="1">
                 <a:highlight>
                   <a:srgbClr val="FFFF00"/>
                 </a:highlight>
@@ -40817,7 +40970,7 @@
               <a:t>last_name</a:t>
             </a:r>
             <a:r>
-              <a:rPr lang="en-US" sz="2400" dirty="0">
+              <a:rPr lang="en-US" sz="2000" dirty="0">
                 <a:highlight>
                   <a:srgbClr val="FFFF00"/>
                 </a:highlight>
@@ -41081,32 +41234,32 @@
           </a:lstStyle>
           <a:p>
             <a:r>
-              <a:rPr lang="en-US" sz="2400" dirty="0">
+              <a:rPr lang="pt-BR" sz="2400" dirty="0">
                 <a:solidFill>
                   <a:schemeClr val="bg1"/>
                 </a:solidFill>
               </a:rPr>
-              <a:t>Enter your first name: susan</a:t>
+              <a:t>Informe seu primeiro nome: cynthia</a:t>
             </a:r>
           </a:p>
           <a:p>
             <a:r>
-              <a:rPr lang="en-US" sz="2400" dirty="0">
+              <a:rPr lang="pt-BR" sz="2400" dirty="0">
                 <a:solidFill>
                   <a:schemeClr val="bg1"/>
                 </a:solidFill>
               </a:rPr>
-              <a:t>Enter your last name: ibach</a:t>
+              <a:t>Informe seu ultimo nome: zanoni</a:t>
             </a:r>
           </a:p>
           <a:p>
             <a:r>
-              <a:rPr lang="en-US" sz="2400" dirty="0">
+              <a:rPr lang="pt-BR" sz="2400" dirty="0">
                 <a:solidFill>
                   <a:schemeClr val="bg1"/>
                 </a:solidFill>
               </a:rPr>
-              <a:t>Your initials are: SI</a:t>
+              <a:t>Suas iniciais são: CZ</a:t>
             </a:r>
             <a:endParaRPr lang="en-CA" sz="2400" dirty="0"/>
           </a:p>
@@ -41250,33 +41403,30 @@
           <a:lstStyle/>
           <a:p>
             <a:r>
-              <a:rPr lang="en-CA" dirty="0"/>
-              <a:t>Functions make your code more readable and easier to maintain</a:t>
+              <a:rPr lang="pt-BR" dirty="0"/>
+              <a:t>As funções tornam seu código mais legível e fácil de manter</a:t>
             </a:r>
             <a:br>
-              <a:rPr lang="en-CA" dirty="0"/>
+              <a:rPr lang="pt-BR" dirty="0"/>
             </a:br>
             <a:br>
-              <a:rPr lang="en-CA" dirty="0"/>
+              <a:rPr lang="pt-BR" dirty="0"/>
             </a:br>
             <a:r>
-              <a:rPr lang="en-CA" dirty="0"/>
-              <a:t>Always add comments to explain the purpose of your functions</a:t>
+              <a:rPr lang="pt-BR" dirty="0"/>
+              <a:t>Sempre adicione comentários para explicar o objetivo de suas funções</a:t>
             </a:r>
             <a:br>
-              <a:rPr lang="en-CA" dirty="0"/>
+              <a:rPr lang="pt-BR" dirty="0"/>
             </a:br>
             <a:br>
-              <a:rPr lang="en-CA" dirty="0"/>
+              <a:rPr lang="pt-BR" dirty="0"/>
             </a:br>
             <a:r>
-              <a:rPr lang="en-CA" dirty="0" err="1"/>
-              <a:t>Functions</a:t>
-            </a:r>
-            <a:r>
-              <a:rPr lang="en-CA" dirty="0"/>
-              <a:t> must be declared before the line of code where the function is called</a:t>
-            </a:r>
+              <a:rPr lang="pt-BR" dirty="0"/>
+              <a:t>As funções devem ser declaradas antes da linha de código onde a função é chamada</a:t>
+            </a:r>
+            <a:endParaRPr lang="en-CA" dirty="0"/>
           </a:p>
         </p:txBody>
       </p:sp>
@@ -41372,9 +41522,10 @@
           <a:lstStyle/>
           <a:p>
             <a:r>
-              <a:rPr lang="en-US" b="1" dirty="0"/>
-              <a:t>Sometimes we copy and paste our code</a:t>
-            </a:r>
+              <a:rPr lang="pt-BR" b="1" dirty="0"/>
+              <a:t>Às vezes, copiamos e colamos nosso código</a:t>
+            </a:r>
+            <a:endParaRPr lang="en-US" b="1" dirty="0"/>
           </a:p>
         </p:txBody>
       </p:sp>
@@ -41391,7 +41542,7 @@
         <p:spPr>
           <a:xfrm>
             <a:off x="365760" y="1090722"/>
-            <a:ext cx="11704320" cy="5684633"/>
+            <a:ext cx="7452677" cy="5684633"/>
           </a:xfrm>
         </p:spPr>
         <p:txBody>
@@ -41405,25 +41556,23 @@
           </a:p>
           <a:p>
             <a:r>
-              <a:rPr lang="en-US" sz="2400" dirty="0">
+              <a:rPr lang="pt-BR" sz="2400" dirty="0">
                 <a:solidFill>
                   <a:schemeClr val="tx2"/>
                 </a:solidFill>
               </a:rPr>
-              <a:t># print timestamps to see how long sections of code </a:t>
+              <a:t># imprime carimbos de data e hora para ver por quanto tempo as seções</a:t>
             </a:r>
           </a:p>
           <a:p>
             <a:r>
-              <a:rPr lang="en-US" sz="2400" dirty="0">
+              <a:rPr lang="pt-BR" sz="2400" dirty="0">
                 <a:solidFill>
                   <a:schemeClr val="tx2"/>
                 </a:solidFill>
               </a:rPr>
-              <a:t># take to run</a:t>
-            </a:r>
-          </a:p>
-          <a:p>
+              <a:t># levar para correr</a:t>
+            </a:r>
             <a:br>
               <a:rPr lang="en-US" sz="2400" dirty="0"/>
             </a:br>
@@ -41441,7 +41590,7 @@
                   <a:srgbClr val="C00000"/>
                 </a:solidFill>
               </a:rPr>
-              <a:t>'Susan'</a:t>
+              <a:t>'Cynthia'</a:t>
             </a:r>
           </a:p>
           <a:p>
@@ -41462,7 +41611,51 @@
                   <a:srgbClr val="FFFF00"/>
                 </a:highlight>
               </a:rPr>
-              <a:t>'task completed'</a:t>
+              <a:t>'</a:t>
+            </a:r>
+            <a:r>
+              <a:rPr lang="en-US" sz="2400" dirty="0" err="1">
+                <a:solidFill>
+                  <a:srgbClr val="C00000"/>
+                </a:solidFill>
+                <a:highlight>
+                  <a:srgbClr val="FFFF00"/>
+                </a:highlight>
+              </a:rPr>
+              <a:t>tarefa</a:t>
+            </a:r>
+            <a:r>
+              <a:rPr lang="en-US" sz="2400" dirty="0">
+                <a:solidFill>
+                  <a:srgbClr val="C00000"/>
+                </a:solidFill>
+                <a:highlight>
+                  <a:srgbClr val="FFFF00"/>
+                </a:highlight>
+              </a:rPr>
+              <a:t> </a:t>
+            </a:r>
+            <a:r>
+              <a:rPr lang="en-US" sz="2400" dirty="0" err="1">
+                <a:solidFill>
+                  <a:srgbClr val="C00000"/>
+                </a:solidFill>
+                <a:highlight>
+                  <a:srgbClr val="FFFF00"/>
+                </a:highlight>
+              </a:rPr>
+              <a:t>completa</a:t>
+            </a:r>
+            <a:r>
+              <a:rPr lang="en-US" sz="2400" dirty="0">
+                <a:solidFill>
+                  <a:srgbClr val="C00000"/>
+                </a:solidFill>
+                <a:highlight>
+                  <a:srgbClr val="FFFF00"/>
+                </a:highlight>
+              </a:rPr>
+              <a:t>'</a:t>
             </a:r>
             <a:r>
               <a:rPr lang="en-US" sz="2400" dirty="0">
@@ -41545,7 +41738,51 @@
                   <a:srgbClr val="FFFF00"/>
                 </a:highlight>
               </a:rPr>
-              <a:t>'task completed'</a:t>
+              <a:t>'</a:t>
+            </a:r>
+            <a:r>
+              <a:rPr lang="en-US" sz="2400" dirty="0" err="1">
+                <a:solidFill>
+                  <a:srgbClr val="C00000"/>
+                </a:solidFill>
+                <a:highlight>
+                  <a:srgbClr val="FFFF00"/>
+                </a:highlight>
+              </a:rPr>
+              <a:t>tarefa</a:t>
+            </a:r>
+            <a:r>
+              <a:rPr lang="en-US" sz="2400" dirty="0">
+                <a:solidFill>
+                  <a:srgbClr val="C00000"/>
+                </a:solidFill>
+                <a:highlight>
+                  <a:srgbClr val="FFFF00"/>
+                </a:highlight>
+              </a:rPr>
+              <a:t> </a:t>
+            </a:r>
+            <a:r>
+              <a:rPr lang="en-US" sz="2400" dirty="0" err="1">
+                <a:solidFill>
+                  <a:srgbClr val="C00000"/>
+                </a:solidFill>
+                <a:highlight>
+                  <a:srgbClr val="FFFF00"/>
+                </a:highlight>
+              </a:rPr>
+              <a:t>completa</a:t>
+            </a:r>
+            <a:r>
+              <a:rPr lang="en-US" sz="2400" dirty="0">
+                <a:solidFill>
+                  <a:srgbClr val="C00000"/>
+                </a:solidFill>
+                <a:highlight>
+                  <a:srgbClr val="FFFF00"/>
+                </a:highlight>
+              </a:rPr>
+              <a:t>'</a:t>
             </a:r>
             <a:r>
               <a:rPr lang="en-US" sz="2400" dirty="0">
@@ -41856,13 +42093,34 @@
           </a:lstStyle>
           <a:p>
             <a:r>
+              <a:rPr lang="en-US" sz="2000" dirty="0" err="1">
+                <a:solidFill>
+                  <a:schemeClr val="bg1"/>
+                </a:solidFill>
+              </a:rPr>
+              <a:t>tarefa</a:t>
+            </a:r>
+            <a:r>
               <a:rPr lang="en-US" sz="2000" dirty="0">
                 <a:solidFill>
                   <a:schemeClr val="bg1"/>
                 </a:solidFill>
               </a:rPr>
-              <a:t>task completed</a:t>
-            </a:r>
+              <a:t> </a:t>
+            </a:r>
+            <a:r>
+              <a:rPr lang="en-US" sz="2000" dirty="0" err="1">
+                <a:solidFill>
+                  <a:schemeClr val="bg1"/>
+                </a:solidFill>
+              </a:rPr>
+              <a:t>completa</a:t>
+            </a:r>
+            <a:endParaRPr lang="en-US" sz="2000" dirty="0">
+              <a:solidFill>
+                <a:schemeClr val="bg1"/>
+              </a:solidFill>
+            </a:endParaRPr>
           </a:p>
           <a:p>
             <a:r>
@@ -41871,7 +42129,7 @@
                   <a:schemeClr val="bg1"/>
                 </a:solidFill>
               </a:rPr>
-              <a:t>2019-05-30 16:55:01.815327</a:t>
+              <a:t>2020-07-17 20:55:33.993258</a:t>
             </a:r>
           </a:p>
           <a:p>
@@ -41983,13 +42241,34 @@
           </a:p>
           <a:p>
             <a:r>
+              <a:rPr lang="en-US" sz="2000" dirty="0" err="1">
+                <a:solidFill>
+                  <a:schemeClr val="bg1"/>
+                </a:solidFill>
+              </a:rPr>
+              <a:t>tarefa</a:t>
+            </a:r>
+            <a:r>
               <a:rPr lang="en-US" sz="2000" dirty="0">
                 <a:solidFill>
                   <a:schemeClr val="bg1"/>
                 </a:solidFill>
               </a:rPr>
-              <a:t>task completed</a:t>
-            </a:r>
+              <a:t> </a:t>
+            </a:r>
+            <a:r>
+              <a:rPr lang="en-US" sz="2000" dirty="0" err="1">
+                <a:solidFill>
+                  <a:schemeClr val="bg1"/>
+                </a:solidFill>
+              </a:rPr>
+              <a:t>completa</a:t>
+            </a:r>
+            <a:endParaRPr lang="en-US" sz="2000" dirty="0">
+              <a:solidFill>
+                <a:schemeClr val="bg1"/>
+              </a:solidFill>
+            </a:endParaRPr>
           </a:p>
           <a:p>
             <a:r>
@@ -41998,7 +42277,7 @@
                   <a:schemeClr val="bg1"/>
                 </a:solidFill>
               </a:rPr>
-              <a:t>2019-05-30 16:55:01.817263</a:t>
+              <a:t>2020-07-17 20:55:34.017216</a:t>
             </a:r>
           </a:p>
         </p:txBody>
@@ -42141,9 +42420,10 @@
           <a:lstStyle/>
           <a:p>
             <a:r>
-              <a:rPr lang="en-CA" dirty="0"/>
-              <a:t>Use functions instead of repeating code</a:t>
-            </a:r>
+              <a:rPr lang="pt-BR" dirty="0"/>
+              <a:t>Use funções em vez de repetir código</a:t>
+            </a:r>
+            <a:endParaRPr lang="en-CA" dirty="0"/>
           </a:p>
         </p:txBody>
       </p:sp>
@@ -42185,8 +42465,37 @@
                   <a:schemeClr val="tx2"/>
                 </a:solidFill>
               </a:rPr>
-              <a:t># Print the current time</a:t>
-            </a:r>
+              <a:t># </a:t>
+            </a:r>
+            <a:r>
+              <a:rPr lang="en-US" sz="2400" dirty="0" err="1">
+                <a:solidFill>
+                  <a:schemeClr val="tx2"/>
+                </a:solidFill>
+              </a:rPr>
+              <a:t>Imprimir</a:t>
+            </a:r>
+            <a:r>
+              <a:rPr lang="en-US" sz="2400" dirty="0">
+                <a:solidFill>
+                  <a:schemeClr val="tx2"/>
+                </a:solidFill>
+              </a:rPr>
+              <a:t> a hora </a:t>
+            </a:r>
+            <a:r>
+              <a:rPr lang="en-US" sz="2400" dirty="0" err="1">
+                <a:solidFill>
+                  <a:schemeClr val="tx2"/>
+                </a:solidFill>
+              </a:rPr>
+              <a:t>atual</a:t>
+            </a:r>
+            <a:endParaRPr lang="en-US" sz="2400" dirty="0">
+              <a:solidFill>
+                <a:schemeClr val="tx2"/>
+              </a:solidFill>
+            </a:endParaRPr>
           </a:p>
           <a:p>
             <a:r>
@@ -42221,7 +42530,7 @@
                   <a:srgbClr val="FFFF00"/>
                 </a:highlight>
               </a:rPr>
-              <a:t>	print(</a:t>
+              <a:t>	print (</a:t>
             </a:r>
             <a:r>
               <a:rPr lang="en-US" sz="2400" dirty="0">
@@ -42232,7 +42541,51 @@
                   <a:srgbClr val="FFFF00"/>
                 </a:highlight>
               </a:rPr>
-              <a:t>'task completed'</a:t>
+              <a:t>'</a:t>
+            </a:r>
+            <a:r>
+              <a:rPr lang="en-US" sz="2400" dirty="0" err="1">
+                <a:solidFill>
+                  <a:srgbClr val="C00000"/>
+                </a:solidFill>
+                <a:highlight>
+                  <a:srgbClr val="FFFF00"/>
+                </a:highlight>
+              </a:rPr>
+              <a:t>tarefa</a:t>
+            </a:r>
+            <a:r>
+              <a:rPr lang="en-US" sz="2400" dirty="0">
+                <a:solidFill>
+                  <a:srgbClr val="C00000"/>
+                </a:solidFill>
+                <a:highlight>
+                  <a:srgbClr val="FFFF00"/>
+                </a:highlight>
+              </a:rPr>
+              <a:t> </a:t>
+            </a:r>
+            <a:r>
+              <a:rPr lang="en-US" sz="2400" dirty="0" err="1">
+                <a:solidFill>
+                  <a:srgbClr val="C00000"/>
+                </a:solidFill>
+                <a:highlight>
+                  <a:srgbClr val="FFFF00"/>
+                </a:highlight>
+              </a:rPr>
+              <a:t>completa</a:t>
+            </a:r>
+            <a:r>
+              <a:rPr lang="en-US" sz="2400" dirty="0">
+                <a:solidFill>
+                  <a:srgbClr val="C00000"/>
+                </a:solidFill>
+                <a:highlight>
+                  <a:srgbClr val="FFFF00"/>
+                </a:highlight>
+              </a:rPr>
+              <a:t>'</a:t>
             </a:r>
             <a:r>
               <a:rPr lang="en-US" sz="2400" dirty="0">
@@ -42300,7 +42653,7 @@
                   <a:srgbClr val="C00000"/>
                 </a:solidFill>
               </a:rPr>
-              <a:t>'Susan'</a:t>
+              <a:t>'Cynthia'</a:t>
             </a:r>
           </a:p>
           <a:p>
@@ -42610,13 +42963,34 @@
           </a:lstStyle>
           <a:p>
             <a:r>
+              <a:rPr lang="en-US" sz="2000" dirty="0" err="1">
+                <a:solidFill>
+                  <a:schemeClr val="bg1"/>
+                </a:solidFill>
+              </a:rPr>
+              <a:t>tarefa</a:t>
+            </a:r>
+            <a:r>
               <a:rPr lang="en-US" sz="2000" dirty="0">
                 <a:solidFill>
                   <a:schemeClr val="bg1"/>
                 </a:solidFill>
               </a:rPr>
-              <a:t>task completed</a:t>
-            </a:r>
+              <a:t> </a:t>
+            </a:r>
+            <a:r>
+              <a:rPr lang="en-US" sz="2000" dirty="0" err="1">
+                <a:solidFill>
+                  <a:schemeClr val="bg1"/>
+                </a:solidFill>
+              </a:rPr>
+              <a:t>completa</a:t>
+            </a:r>
+            <a:endParaRPr lang="en-US" sz="2000" dirty="0">
+              <a:solidFill>
+                <a:schemeClr val="bg1"/>
+              </a:solidFill>
+            </a:endParaRPr>
           </a:p>
           <a:p>
             <a:r>
@@ -42625,7 +42999,7 @@
                   <a:schemeClr val="bg1"/>
                 </a:solidFill>
               </a:rPr>
-              <a:t>2019-05-30 16:55:45.397319</a:t>
+              <a:t>2020-07-17 20:57:05.476746</a:t>
             </a:r>
           </a:p>
           <a:p>
@@ -42737,13 +43111,34 @@
           </a:p>
           <a:p>
             <a:r>
+              <a:rPr lang="en-US" sz="2000" dirty="0" err="1">
+                <a:solidFill>
+                  <a:schemeClr val="bg1"/>
+                </a:solidFill>
+              </a:rPr>
+              <a:t>tarefa</a:t>
+            </a:r>
+            <a:r>
               <a:rPr lang="en-US" sz="2000" dirty="0">
                 <a:solidFill>
                   <a:schemeClr val="bg1"/>
                 </a:solidFill>
               </a:rPr>
-              <a:t>task completed</a:t>
-            </a:r>
+              <a:t> </a:t>
+            </a:r>
+            <a:r>
+              <a:rPr lang="en-US" sz="2000" dirty="0" err="1">
+                <a:solidFill>
+                  <a:schemeClr val="bg1"/>
+                </a:solidFill>
+              </a:rPr>
+              <a:t>completa</a:t>
+            </a:r>
+            <a:endParaRPr lang="en-US" sz="2000" dirty="0">
+              <a:solidFill>
+                <a:schemeClr val="bg1"/>
+              </a:solidFill>
+            </a:endParaRPr>
           </a:p>
           <a:p>
             <a:r>
@@ -42752,7 +43147,7 @@
                   <a:schemeClr val="bg1"/>
                 </a:solidFill>
               </a:rPr>
-              <a:t>2019-05-30 16:55:45.399314</a:t>
+              <a:t>2020-07-17 20:57:05.496144</a:t>
             </a:r>
           </a:p>
         </p:txBody>
@@ -42895,9 +43290,10 @@
           <a:lstStyle/>
           <a:p>
             <a:r>
-              <a:rPr lang="en-CA" dirty="0"/>
-              <a:t>By moving the code to a function, you reduce rework and the chance of introducing bugs when you change the code you had copied</a:t>
-            </a:r>
+              <a:rPr lang="pt-BR" dirty="0"/>
+              <a:t>Ao mover o código para uma função, você reduz o retrabalho e a chance de introduzir bugs ao alterar o código copiado</a:t>
+            </a:r>
+            <a:endParaRPr lang="en-CA" dirty="0"/>
           </a:p>
         </p:txBody>
       </p:sp>
@@ -42933,7 +43329,55 @@
                   <a:schemeClr val="tx2"/>
                 </a:solidFill>
               </a:rPr>
-              <a:t># Import the datetime class from datetime library</a:t>
+              <a:t># </a:t>
+            </a:r>
+            <a:r>
+              <a:rPr lang="en-US" sz="2800" dirty="0" err="1">
+                <a:solidFill>
+                  <a:schemeClr val="tx2"/>
+                </a:solidFill>
+              </a:rPr>
+              <a:t>Importar</a:t>
+            </a:r>
+            <a:r>
+              <a:rPr lang="en-US" sz="2800" dirty="0">
+                <a:solidFill>
+                  <a:schemeClr val="tx2"/>
+                </a:solidFill>
+              </a:rPr>
+              <a:t> a </a:t>
+            </a:r>
+            <a:r>
+              <a:rPr lang="en-US" sz="2800" dirty="0" err="1">
+                <a:solidFill>
+                  <a:schemeClr val="tx2"/>
+                </a:solidFill>
+              </a:rPr>
+              <a:t>classe</a:t>
+            </a:r>
+            <a:r>
+              <a:rPr lang="en-US" sz="2800" dirty="0">
+                <a:solidFill>
+                  <a:schemeClr val="tx2"/>
+                </a:solidFill>
+              </a:rPr>
+              <a:t> datetime da </a:t>
+            </a:r>
+            <a:r>
+              <a:rPr lang="en-US" sz="2800" dirty="0" err="1">
+                <a:solidFill>
+                  <a:schemeClr val="tx2"/>
+                </a:solidFill>
+              </a:rPr>
+              <a:t>biblioteca</a:t>
+            </a:r>
+            <a:r>
+              <a:rPr lang="en-US" sz="2800" dirty="0">
+                <a:solidFill>
+                  <a:schemeClr val="tx2"/>
+                </a:solidFill>
+              </a:rPr>
+              <a:t> datetime</a:t>
             </a:r>
           </a:p>
           <a:p>
@@ -42953,8 +43397,37 @@
                   <a:schemeClr val="tx2"/>
                 </a:solidFill>
               </a:rPr>
-              <a:t># Print the current time</a:t>
-            </a:r>
+              <a:t># </a:t>
+            </a:r>
+            <a:r>
+              <a:rPr lang="en-US" sz="2800" dirty="0" err="1">
+                <a:solidFill>
+                  <a:schemeClr val="tx2"/>
+                </a:solidFill>
+              </a:rPr>
+              <a:t>Imprimir</a:t>
+            </a:r>
+            <a:r>
+              <a:rPr lang="en-US" sz="2800" dirty="0">
+                <a:solidFill>
+                  <a:schemeClr val="tx2"/>
+                </a:solidFill>
+              </a:rPr>
+              <a:t> a hora </a:t>
+            </a:r>
+            <a:r>
+              <a:rPr lang="en-US" sz="2800" dirty="0" err="1">
+                <a:solidFill>
+                  <a:schemeClr val="tx2"/>
+                </a:solidFill>
+              </a:rPr>
+              <a:t>atual</a:t>
+            </a:r>
+            <a:endParaRPr lang="en-US" sz="2800" dirty="0">
+              <a:solidFill>
+                <a:schemeClr val="tx2"/>
+              </a:solidFill>
+            </a:endParaRPr>
           </a:p>
           <a:p>
             <a:r>
@@ -42981,16 +43454,53 @@
                   <a:srgbClr val="C00000"/>
                 </a:solidFill>
               </a:rPr>
-              <a:t>'task completed'</a:t>
+              <a:t>'</a:t>
+            </a:r>
+            <a:r>
+              <a:rPr lang="en-US" sz="2800" dirty="0" err="1">
+                <a:solidFill>
+                  <a:srgbClr val="C00000"/>
+                </a:solidFill>
+              </a:rPr>
+              <a:t>tarefa</a:t>
             </a:r>
             <a:r>
               <a:rPr lang="en-US" sz="2800" dirty="0">
                 <a:solidFill>
-                  <a:schemeClr val="tx1"/>
+                  <a:srgbClr val="C00000"/>
+                </a:solidFill>
+              </a:rPr>
+              <a:t> </a:t>
+            </a:r>
+            <a:r>
+              <a:rPr lang="en-US" sz="2800" dirty="0" err="1">
+                <a:solidFill>
+                  <a:srgbClr val="C00000"/>
+                </a:solidFill>
+              </a:rPr>
+              <a:t>completa</a:t>
+            </a:r>
+            <a:r>
+              <a:rPr lang="en-US" sz="2800" dirty="0">
+                <a:solidFill>
+                  <a:srgbClr val="C00000"/>
+                </a:solidFill>
+              </a:rPr>
+              <a:t>'</a:t>
+            </a:r>
+            <a:r>
+              <a:rPr lang="en-US" sz="2800" dirty="0">
+                <a:solidFill>
+                  <a:srgbClr val="002050"/>
                 </a:solidFill>
               </a:rPr>
               <a:t>)</a:t>
             </a:r>
+            <a:endParaRPr lang="en-US" sz="2800" dirty="0">
+              <a:solidFill>
+                <a:schemeClr val="tx1"/>
+              </a:solidFill>
+            </a:endParaRPr>
           </a:p>
           <a:p>
             <a:r>
@@ -43002,13 +43512,18 @@
               <a:t>	</a:t>
             </a:r>
             <a:r>
-              <a:rPr lang="en-US" sz="2800" dirty="0">
+              <a:rPr lang="pt-BR" sz="2800" dirty="0">
                 <a:solidFill>
                   <a:schemeClr val="tx2"/>
                 </a:solidFill>
               </a:rPr>
-              <a:t># Now I don't need the extra datetime prefix</a:t>
-            </a:r>
+              <a:t># Agora não preciso do prefixo extra de data e hora</a:t>
+            </a:r>
+            <a:endParaRPr lang="en-US" sz="2800" dirty="0">
+              <a:solidFill>
+                <a:schemeClr val="tx2"/>
+              </a:solidFill>
+            </a:endParaRPr>
           </a:p>
           <a:p>
             <a:r>
@@ -43094,13 +43609,16 @@
         </p:nvSpPr>
         <p:spPr/>
         <p:txBody>
-          <a:bodyPr/>
+          <a:bodyPr>
+            <a:noAutofit/>
+          </a:bodyPr>
           <a:lstStyle/>
           <a:p>
             <a:r>
-              <a:rPr lang="en-US" b="1" dirty="0"/>
-              <a:t>What if I want a different message displayed?</a:t>
-            </a:r>
+              <a:rPr lang="pt-BR" sz="3600" b="1" dirty="0"/>
+              <a:t>E se eu quiser que uma mensagem diferente seja exibida?</a:t>
+            </a:r>
+            <a:endParaRPr lang="en-US" sz="3600" b="1" dirty="0"/>
           </a:p>
         </p:txBody>
       </p:sp>
@@ -43117,7 +43635,7 @@
         <p:spPr>
           <a:xfrm>
             <a:off x="365760" y="1090722"/>
-            <a:ext cx="11704320" cy="5684633"/>
+            <a:ext cx="7071677" cy="6017032"/>
           </a:xfrm>
         </p:spPr>
         <p:txBody>
@@ -43131,22 +43649,22 @@
           </a:p>
           <a:p>
             <a:r>
-              <a:rPr lang="en-US" sz="2400" dirty="0">
+              <a:rPr lang="pt-BR" sz="2400" dirty="0">
                 <a:solidFill>
                   <a:schemeClr val="tx2"/>
                 </a:solidFill>
               </a:rPr>
-              <a:t># print timestamps to see how long sections of code </a:t>
+              <a:t># imprime carimbos de data e hora para ver por quanto tempo as seções</a:t>
             </a:r>
           </a:p>
           <a:p>
             <a:r>
-              <a:rPr lang="en-US" sz="2400" dirty="0">
+              <a:rPr lang="pt-BR" sz="2400" dirty="0">
                 <a:solidFill>
                   <a:schemeClr val="tx2"/>
                 </a:solidFill>
               </a:rPr>
-              <a:t># take to run</a:t>
+              <a:t># levar para correr</a:t>
             </a:r>
           </a:p>
           <a:p>
@@ -43167,7 +43685,7 @@
                   <a:srgbClr val="C00000"/>
                 </a:solidFill>
               </a:rPr>
-              <a:t>'Susan'</a:t>
+              <a:t>'Cynthia'</a:t>
             </a:r>
           </a:p>
           <a:p>
@@ -43188,7 +43706,73 @@
                   <a:srgbClr val="FFFF00"/>
                 </a:highlight>
               </a:rPr>
-              <a:t>'first name assigned'</a:t>
+              <a:t>'</a:t>
+            </a:r>
+            <a:r>
+              <a:rPr lang="en-US" sz="2400" dirty="0" err="1">
+                <a:solidFill>
+                  <a:srgbClr val="C00000"/>
+                </a:solidFill>
+                <a:highlight>
+                  <a:srgbClr val="FFFF00"/>
+                </a:highlight>
+              </a:rPr>
+              <a:t>primeiro</a:t>
+            </a:r>
+            <a:r>
+              <a:rPr lang="en-US" sz="2400" dirty="0">
+                <a:solidFill>
+                  <a:srgbClr val="C00000"/>
+                </a:solidFill>
+                <a:highlight>
+                  <a:srgbClr val="FFFF00"/>
+                </a:highlight>
+              </a:rPr>
+              <a:t> </a:t>
+            </a:r>
+            <a:r>
+              <a:rPr lang="en-US" sz="2400" dirty="0" err="1">
+                <a:solidFill>
+                  <a:srgbClr val="C00000"/>
+                </a:solidFill>
+                <a:highlight>
+                  <a:srgbClr val="FFFF00"/>
+                </a:highlight>
+              </a:rPr>
+              <a:t>nome</a:t>
+            </a:r>
+            <a:r>
+              <a:rPr lang="en-US" sz="2400" dirty="0">
+                <a:solidFill>
+                  <a:srgbClr val="C00000"/>
+                </a:solidFill>
+                <a:highlight>
+                  <a:srgbClr val="FFFF00"/>
+                </a:highlight>
+              </a:rPr>
+              <a:t> </a:t>
+            </a:r>
+            <a:r>
+              <a:rPr lang="en-US" sz="2400" dirty="0" err="1">
+                <a:solidFill>
+                  <a:srgbClr val="C00000"/>
+                </a:solidFill>
+                <a:highlight>
+                  <a:srgbClr val="FFFF00"/>
+                </a:highlight>
+              </a:rPr>
+              <a:t>atribuído</a:t>
+            </a:r>
+            <a:r>
+              <a:rPr lang="en-US" sz="2400" dirty="0">
+                <a:solidFill>
+                  <a:srgbClr val="C00000"/>
+                </a:solidFill>
+                <a:highlight>
+                  <a:srgbClr val="FFFF00"/>
+                </a:highlight>
+              </a:rPr>
+              <a:t>'</a:t>
             </a:r>
             <a:r>
               <a:rPr lang="en-US" sz="2400" dirty="0">
@@ -43255,7 +43839,29 @@
                   <a:srgbClr val="FFFF00"/>
                 </a:highlight>
               </a:rPr>
-              <a:t>'loop completed'</a:t>
+              <a:t>'loop </a:t>
+            </a:r>
+            <a:r>
+              <a:rPr lang="en-US" sz="2400" dirty="0" err="1">
+                <a:solidFill>
+                  <a:srgbClr val="C00000"/>
+                </a:solidFill>
+                <a:highlight>
+                  <a:srgbClr val="FFFF00"/>
+                </a:highlight>
+              </a:rPr>
+              <a:t>completo</a:t>
+            </a:r>
+            <a:r>
+              <a:rPr lang="en-US" sz="2400" dirty="0">
+                <a:solidFill>
+                  <a:srgbClr val="C00000"/>
+                </a:solidFill>
+                <a:highlight>
+                  <a:srgbClr val="FFFF00"/>
+                </a:highlight>
+              </a:rPr>
+              <a:t>'</a:t>
             </a:r>
             <a:r>
               <a:rPr lang="en-US" sz="2400" dirty="0">
@@ -43546,26 +44152,26 @@
           </a:lstStyle>
           <a:p>
             <a:r>
-              <a:rPr lang="en-US" sz="2000" dirty="0">
+              <a:rPr lang="pt-BR" sz="2000" dirty="0">
                 <a:solidFill>
                   <a:schemeClr val="bg1"/>
                 </a:solidFill>
               </a:rPr>
-              <a:t>first name assigned</a:t>
+              <a:t>primeiro nome atribuído</a:t>
             </a:r>
           </a:p>
           <a:p>
             <a:r>
-              <a:rPr lang="en-US" sz="2000" dirty="0">
+              <a:rPr lang="pt-BR" sz="2000" dirty="0">
                 <a:solidFill>
                   <a:schemeClr val="bg1"/>
                 </a:solidFill>
               </a:rPr>
-              <a:t>2019-05-31 10:18:53.419754</a:t>
+              <a:t>2020-07-17 21:00:09.267862</a:t>
             </a:r>
           </a:p>
           <a:p>
-            <a:endParaRPr lang="en-US" sz="2000" dirty="0">
+            <a:endParaRPr lang="pt-BR" sz="2000" dirty="0">
               <a:solidFill>
                 <a:schemeClr val="bg1"/>
               </a:solidFill>
@@ -43573,7 +44179,7 @@
           </a:p>
           <a:p>
             <a:r>
-              <a:rPr lang="en-US" sz="2000" dirty="0">
+              <a:rPr lang="pt-BR" sz="2000" dirty="0">
                 <a:solidFill>
                   <a:schemeClr val="bg1"/>
                 </a:solidFill>
@@ -43583,7 +44189,7 @@
           </a:p>
           <a:p>
             <a:r>
-              <a:rPr lang="en-US" sz="2000" dirty="0">
+              <a:rPr lang="pt-BR" sz="2000" dirty="0">
                 <a:solidFill>
                   <a:schemeClr val="bg1"/>
                 </a:solidFill>
@@ -43593,7 +44199,7 @@
           </a:p>
           <a:p>
             <a:r>
-              <a:rPr lang="en-US" sz="2000" dirty="0">
+              <a:rPr lang="pt-BR" sz="2000" dirty="0">
                 <a:solidFill>
                   <a:schemeClr val="bg1"/>
                 </a:solidFill>
@@ -43603,7 +44209,7 @@
           </a:p>
           <a:p>
             <a:r>
-              <a:rPr lang="en-US" sz="2000" dirty="0">
+              <a:rPr lang="pt-BR" sz="2000" dirty="0">
                 <a:solidFill>
                   <a:schemeClr val="bg1"/>
                 </a:solidFill>
@@ -43613,7 +44219,7 @@
           </a:p>
           <a:p>
             <a:r>
-              <a:rPr lang="en-US" sz="2000" dirty="0">
+              <a:rPr lang="pt-BR" sz="2000" dirty="0">
                 <a:solidFill>
                   <a:schemeClr val="bg1"/>
                 </a:solidFill>
@@ -43623,7 +44229,7 @@
           </a:p>
           <a:p>
             <a:r>
-              <a:rPr lang="en-US" sz="2000" dirty="0">
+              <a:rPr lang="pt-BR" sz="2000" dirty="0">
                 <a:solidFill>
                   <a:schemeClr val="bg1"/>
                 </a:solidFill>
@@ -43633,7 +44239,7 @@
           </a:p>
           <a:p>
             <a:r>
-              <a:rPr lang="en-US" sz="2000" dirty="0">
+              <a:rPr lang="pt-BR" sz="2000" dirty="0">
                 <a:solidFill>
                   <a:schemeClr val="bg1"/>
                 </a:solidFill>
@@ -43643,7 +44249,7 @@
           </a:p>
           <a:p>
             <a:r>
-              <a:rPr lang="en-US" sz="2000" dirty="0">
+              <a:rPr lang="pt-BR" sz="2000" dirty="0">
                 <a:solidFill>
                   <a:schemeClr val="bg1"/>
                 </a:solidFill>
@@ -43653,7 +44259,7 @@
           </a:p>
           <a:p>
             <a:r>
-              <a:rPr lang="en-US" sz="2000" dirty="0">
+              <a:rPr lang="pt-BR" sz="2000" dirty="0">
                 <a:solidFill>
                   <a:schemeClr val="bg1"/>
                 </a:solidFill>
@@ -43663,7 +44269,7 @@
           </a:p>
           <a:p>
             <a:r>
-              <a:rPr lang="en-US" sz="2000" dirty="0">
+              <a:rPr lang="pt-BR" sz="2000" dirty="0">
                 <a:solidFill>
                   <a:schemeClr val="bg1"/>
                 </a:solidFill>
@@ -43673,23 +44279,28 @@
           </a:p>
           <a:p>
             <a:r>
-              <a:rPr lang="en-US" sz="2000" dirty="0">
+              <a:rPr lang="pt-BR" sz="2000" dirty="0">
                 <a:solidFill>
                   <a:schemeClr val="bg1"/>
                 </a:solidFill>
               </a:rPr>
-              <a:t>loop completed</a:t>
+              <a:t>loop completo</a:t>
             </a:r>
           </a:p>
           <a:p>
             <a:r>
-              <a:rPr lang="en-US" sz="2000" dirty="0">
+              <a:rPr lang="pt-BR" sz="2000" dirty="0">
                 <a:solidFill>
                   <a:schemeClr val="bg1"/>
                 </a:solidFill>
               </a:rPr>
-              <a:t>2019-05-31 10:18:53.422748</a:t>
-            </a:r>
+              <a:t>2020-07-17 21:00:09.301242</a:t>
+            </a:r>
+            <a:endParaRPr lang="en-US" sz="2000" dirty="0">
+              <a:solidFill>
+                <a:schemeClr val="bg1"/>
+              </a:solidFill>
+            </a:endParaRPr>
           </a:p>
         </p:txBody>
       </p:sp>
@@ -43819,15 +44430,21 @@
             <p:ph type="title"/>
           </p:nvPr>
         </p:nvSpPr>
-        <p:spPr/>
+        <p:spPr>
+          <a:xfrm>
+            <a:off x="228917" y="365760"/>
+            <a:ext cx="11704320" cy="914400"/>
+          </a:xfrm>
+        </p:spPr>
         <p:txBody>
           <a:bodyPr/>
           <a:lstStyle/>
           <a:p>
             <a:r>
-              <a:rPr lang="en-US" b="1" dirty="0"/>
-              <a:t>Pass the task name as a parameter </a:t>
-            </a:r>
+              <a:rPr lang="pt-BR" b="1" dirty="0"/>
+              <a:t>Passe o nome da tarefa como um parâmetro</a:t>
+            </a:r>
+            <a:endParaRPr lang="en-US" b="1" dirty="0"/>
           </a:p>
         </p:txBody>
       </p:sp>
@@ -43843,7 +44460,7 @@
         </p:nvSpPr>
         <p:spPr>
           <a:xfrm>
-            <a:off x="365760" y="1089229"/>
+            <a:off x="228917" y="1089229"/>
             <a:ext cx="11704320" cy="5684633"/>
           </a:xfrm>
         </p:spPr>
@@ -43866,8 +44483,21 @@
                   <a:schemeClr val="tx2"/>
                 </a:solidFill>
               </a:rPr>
-              <a:t># Print the current time and task name</a:t>
-            </a:r>
+              <a:t># </a:t>
+            </a:r>
+            <a:r>
+              <a:rPr lang="pt-BR" sz="2400" dirty="0">
+                <a:solidFill>
+                  <a:schemeClr val="tx2"/>
+                </a:solidFill>
+              </a:rPr>
+              <a:t>Imprimir a hora atual e o nome da tarefa</a:t>
+            </a:r>
+            <a:endParaRPr lang="en-US" sz="2400" dirty="0">
+              <a:solidFill>
+                <a:schemeClr val="tx2"/>
+              </a:solidFill>
+            </a:endParaRPr>
           </a:p>
           <a:p>
             <a:r>
@@ -43951,7 +44581,7 @@
                   <a:srgbClr val="C00000"/>
                 </a:solidFill>
               </a:rPr>
-              <a:t>'Susan'</a:t>
+              <a:t>'Cynthia'</a:t>
             </a:r>
           </a:p>
           <a:p>
@@ -43972,7 +44602,73 @@
                   <a:srgbClr val="FFFF00"/>
                 </a:highlight>
               </a:rPr>
-              <a:t>'first name assigned'</a:t>
+              <a:t>'</a:t>
+            </a:r>
+            <a:r>
+              <a:rPr lang="en-US" sz="2400" dirty="0" err="1">
+                <a:solidFill>
+                  <a:srgbClr val="C00000"/>
+                </a:solidFill>
+                <a:highlight>
+                  <a:srgbClr val="FFFF00"/>
+                </a:highlight>
+              </a:rPr>
+              <a:t>primeiro</a:t>
+            </a:r>
+            <a:r>
+              <a:rPr lang="en-US" sz="2400" dirty="0">
+                <a:solidFill>
+                  <a:srgbClr val="C00000"/>
+                </a:solidFill>
+                <a:highlight>
+                  <a:srgbClr val="FFFF00"/>
+                </a:highlight>
+              </a:rPr>
+              <a:t> </a:t>
+            </a:r>
+            <a:r>
+              <a:rPr lang="en-US" sz="2400" dirty="0" err="1">
+                <a:solidFill>
+                  <a:srgbClr val="C00000"/>
+                </a:solidFill>
+                <a:highlight>
+                  <a:srgbClr val="FFFF00"/>
+                </a:highlight>
+              </a:rPr>
+              <a:t>nome</a:t>
+            </a:r>
+            <a:r>
+              <a:rPr lang="en-US" sz="2400" dirty="0">
+                <a:solidFill>
+                  <a:srgbClr val="C00000"/>
+                </a:solidFill>
+                <a:highlight>
+                  <a:srgbClr val="FFFF00"/>
+                </a:highlight>
+              </a:rPr>
+              <a:t> </a:t>
+            </a:r>
+            <a:r>
+              <a:rPr lang="en-US" sz="2400" dirty="0" err="1">
+                <a:solidFill>
+                  <a:srgbClr val="C00000"/>
+                </a:solidFill>
+                <a:highlight>
+                  <a:srgbClr val="FFFF00"/>
+                </a:highlight>
+              </a:rPr>
+              <a:t>atribuído</a:t>
+            </a:r>
+            <a:r>
+              <a:rPr lang="en-US" sz="2400" dirty="0">
+                <a:solidFill>
+                  <a:srgbClr val="C00000"/>
+                </a:solidFill>
+                <a:highlight>
+                  <a:srgbClr val="FFFF00"/>
+                </a:highlight>
+              </a:rPr>
+              <a:t>'</a:t>
             </a:r>
             <a:r>
               <a:rPr lang="en-US" sz="2400" dirty="0">
@@ -44283,26 +44979,26 @@
           </a:lstStyle>
           <a:p>
             <a:r>
-              <a:rPr lang="en-US" sz="2000" dirty="0">
+              <a:rPr lang="pt-BR" sz="2000" dirty="0">
                 <a:solidFill>
                   <a:schemeClr val="bg1"/>
                 </a:solidFill>
               </a:rPr>
-              <a:t>first name assigned</a:t>
+              <a:t>primeiro nome atribuído</a:t>
             </a:r>
           </a:p>
           <a:p>
             <a:r>
-              <a:rPr lang="en-US" sz="2000" dirty="0">
+              <a:rPr lang="pt-BR" sz="2000" dirty="0">
                 <a:solidFill>
                   <a:schemeClr val="bg1"/>
                 </a:solidFill>
               </a:rPr>
-              <a:t>2019-05-31 10:18:53.419754</a:t>
+              <a:t>2020-07-17 21:02:00.924951</a:t>
             </a:r>
           </a:p>
           <a:p>
-            <a:endParaRPr lang="en-US" sz="2000" dirty="0">
+            <a:endParaRPr lang="pt-BR" sz="2000" dirty="0">
               <a:solidFill>
                 <a:schemeClr val="bg1"/>
               </a:solidFill>
@@ -44310,7 +45006,7 @@
           </a:p>
           <a:p>
             <a:r>
-              <a:rPr lang="en-US" sz="2000" dirty="0">
+              <a:rPr lang="pt-BR" sz="2000" dirty="0">
                 <a:solidFill>
                   <a:schemeClr val="bg1"/>
                 </a:solidFill>
@@ -44320,7 +45016,7 @@
           </a:p>
           <a:p>
             <a:r>
-              <a:rPr lang="en-US" sz="2000" dirty="0">
+              <a:rPr lang="pt-BR" sz="2000" dirty="0">
                 <a:solidFill>
                   <a:schemeClr val="bg1"/>
                 </a:solidFill>
@@ -44330,7 +45026,7 @@
           </a:p>
           <a:p>
             <a:r>
-              <a:rPr lang="en-US" sz="2000" dirty="0">
+              <a:rPr lang="pt-BR" sz="2000" dirty="0">
                 <a:solidFill>
                   <a:schemeClr val="bg1"/>
                 </a:solidFill>
@@ -44340,7 +45036,7 @@
           </a:p>
           <a:p>
             <a:r>
-              <a:rPr lang="en-US" sz="2000" dirty="0">
+              <a:rPr lang="pt-BR" sz="2000" dirty="0">
                 <a:solidFill>
                   <a:schemeClr val="bg1"/>
                 </a:solidFill>
@@ -44350,7 +45046,7 @@
           </a:p>
           <a:p>
             <a:r>
-              <a:rPr lang="en-US" sz="2000" dirty="0">
+              <a:rPr lang="pt-BR" sz="2000" dirty="0">
                 <a:solidFill>
                   <a:schemeClr val="bg1"/>
                 </a:solidFill>
@@ -44360,7 +45056,7 @@
           </a:p>
           <a:p>
             <a:r>
-              <a:rPr lang="en-US" sz="2000" dirty="0">
+              <a:rPr lang="pt-BR" sz="2000" dirty="0">
                 <a:solidFill>
                   <a:schemeClr val="bg1"/>
                 </a:solidFill>
@@ -44370,7 +45066,7 @@
           </a:p>
           <a:p>
             <a:r>
-              <a:rPr lang="en-US" sz="2000" dirty="0">
+              <a:rPr lang="pt-BR" sz="2000" dirty="0">
                 <a:solidFill>
                   <a:schemeClr val="bg1"/>
                 </a:solidFill>
@@ -44380,7 +45076,7 @@
           </a:p>
           <a:p>
             <a:r>
-              <a:rPr lang="en-US" sz="2000" dirty="0">
+              <a:rPr lang="pt-BR" sz="2000" dirty="0">
                 <a:solidFill>
                   <a:schemeClr val="bg1"/>
                 </a:solidFill>
@@ -44390,7 +45086,7 @@
           </a:p>
           <a:p>
             <a:r>
-              <a:rPr lang="en-US" sz="2000" dirty="0">
+              <a:rPr lang="pt-BR" sz="2000" dirty="0">
                 <a:solidFill>
                   <a:schemeClr val="bg1"/>
                 </a:solidFill>
@@ -44400,7 +45096,7 @@
           </a:p>
           <a:p>
             <a:r>
-              <a:rPr lang="en-US" sz="2000" dirty="0">
+              <a:rPr lang="pt-BR" sz="2000" dirty="0">
                 <a:solidFill>
                   <a:schemeClr val="bg1"/>
                 </a:solidFill>
@@ -44410,7 +45106,7 @@
           </a:p>
           <a:p>
             <a:r>
-              <a:rPr lang="en-US" sz="2000" dirty="0">
+              <a:rPr lang="pt-BR" sz="2000" dirty="0">
                 <a:solidFill>
                   <a:schemeClr val="bg1"/>
                 </a:solidFill>
@@ -44420,13 +45116,18 @@
           </a:p>
           <a:p>
             <a:r>
-              <a:rPr lang="en-US" sz="2000" dirty="0">
+              <a:rPr lang="pt-BR" sz="2000" dirty="0">
                 <a:solidFill>
                   <a:schemeClr val="bg1"/>
                 </a:solidFill>
               </a:rPr>
-              <a:t>2019-05-31 10:18:53.422748</a:t>
-            </a:r>
+              <a:t>2020-07-17 21:02:00.950908</a:t>
+            </a:r>
+            <a:endParaRPr lang="en-US" sz="2000" dirty="0">
+              <a:solidFill>
+                <a:schemeClr val="bg1"/>
+              </a:solidFill>
+            </a:endParaRPr>
           </a:p>
         </p:txBody>
       </p:sp>
@@ -44558,12 +45259,14 @@
         </p:nvSpPr>
         <p:spPr/>
         <p:txBody>
-          <a:bodyPr/>
+          <a:bodyPr>
+            <a:normAutofit fontScale="90000"/>
+          </a:bodyPr>
           <a:lstStyle/>
           <a:p>
             <a:r>
-              <a:rPr lang="en-US" b="1" dirty="0"/>
-              <a:t>Here's another example where the code looks different but we are doing the same logic over and over</a:t>
+              <a:rPr lang="pt-BR" b="1" dirty="0"/>
+              <a:t>Aqui está outro exemplo em que o código parece diferente, mas estamos fazendo a mesma lógica repetidamente</a:t>
             </a:r>
             <a:endParaRPr lang="en-US" dirty="0"/>
           </a:p>
@@ -44603,7 +45306,55 @@
                   <a:srgbClr val="C00000"/>
                 </a:solidFill>
               </a:rPr>
-              <a:t>'Enter your first name: '</a:t>
+              <a:t>'Informe </a:t>
+            </a:r>
+            <a:r>
+              <a:rPr lang="en-US" sz="2400" dirty="0" err="1">
+                <a:solidFill>
+                  <a:srgbClr val="C00000"/>
+                </a:solidFill>
+              </a:rPr>
+              <a:t>seu</a:t>
+            </a:r>
+            <a:r>
+              <a:rPr lang="en-US" sz="2400" dirty="0">
+                <a:solidFill>
+                  <a:srgbClr val="C00000"/>
+                </a:solidFill>
+              </a:rPr>
+              <a:t> </a:t>
+            </a:r>
+            <a:r>
+              <a:rPr lang="en-US" sz="2400" dirty="0" err="1">
+                <a:solidFill>
+                  <a:srgbClr val="C00000"/>
+                </a:solidFill>
+              </a:rPr>
+              <a:t>primeiro</a:t>
+            </a:r>
+            <a:r>
+              <a:rPr lang="en-US" sz="2400" dirty="0">
+                <a:solidFill>
+                  <a:srgbClr val="C00000"/>
+                </a:solidFill>
+              </a:rPr>
+              <a:t> </a:t>
+            </a:r>
+            <a:r>
+              <a:rPr lang="en-US" sz="2400" dirty="0" err="1">
+                <a:solidFill>
+                  <a:srgbClr val="C00000"/>
+                </a:solidFill>
+              </a:rPr>
+              <a:t>nome</a:t>
+            </a:r>
+            <a:r>
+              <a:rPr lang="en-US" sz="2400" dirty="0">
+                <a:solidFill>
+                  <a:srgbClr val="C00000"/>
+                </a:solidFill>
+              </a:rPr>
+              <a:t>: '</a:t>
             </a:r>
             <a:r>
               <a:rPr lang="en-US" sz="2400" dirty="0">
@@ -44663,7 +45414,39 @@
                   <a:srgbClr val="C00000"/>
                 </a:solidFill>
               </a:rPr>
-              <a:t>'Enter your last name: '</a:t>
+              <a:t>'Informe </a:t>
+            </a:r>
+            <a:r>
+              <a:rPr lang="en-US" sz="2400" dirty="0" err="1">
+                <a:solidFill>
+                  <a:srgbClr val="C00000"/>
+                </a:solidFill>
+              </a:rPr>
+              <a:t>seu</a:t>
+            </a:r>
+            <a:r>
+              <a:rPr lang="en-US" sz="2400" dirty="0">
+                <a:solidFill>
+                  <a:srgbClr val="C00000"/>
+                </a:solidFill>
+              </a:rPr>
+              <a:t> ultimo </a:t>
+            </a:r>
+            <a:r>
+              <a:rPr lang="en-US" sz="2400" dirty="0" err="1">
+                <a:solidFill>
+                  <a:srgbClr val="C00000"/>
+                </a:solidFill>
+              </a:rPr>
+              <a:t>nome</a:t>
+            </a:r>
+            <a:r>
+              <a:rPr lang="en-US" sz="2400" dirty="0">
+                <a:solidFill>
+                  <a:srgbClr val="C00000"/>
+                </a:solidFill>
+              </a:rPr>
+              <a:t>: '</a:t>
             </a:r>
             <a:r>
               <a:rPr lang="en-US" sz="2400" dirty="0">
@@ -44722,7 +45505,55 @@
                   <a:srgbClr val="C00000"/>
                 </a:solidFill>
               </a:rPr>
-              <a:t>'Your initials are: ' </a:t>
+              <a:t>'</a:t>
+            </a:r>
+            <a:r>
+              <a:rPr lang="en-US" sz="2400" dirty="0" err="1">
+                <a:solidFill>
+                  <a:srgbClr val="C00000"/>
+                </a:solidFill>
+              </a:rPr>
+              <a:t>Suas</a:t>
+            </a:r>
+            <a:r>
+              <a:rPr lang="en-US" sz="2400" dirty="0">
+                <a:solidFill>
+                  <a:srgbClr val="C00000"/>
+                </a:solidFill>
+              </a:rPr>
+              <a:t> </a:t>
+            </a:r>
+            <a:r>
+              <a:rPr lang="en-US" sz="2400" dirty="0" err="1">
+                <a:solidFill>
+                  <a:srgbClr val="C00000"/>
+                </a:solidFill>
+              </a:rPr>
+              <a:t>iniciais</a:t>
+            </a:r>
+            <a:r>
+              <a:rPr lang="en-US" sz="2400" dirty="0">
+                <a:solidFill>
+                  <a:srgbClr val="C00000"/>
+                </a:solidFill>
+              </a:rPr>
+              <a:t> </a:t>
+            </a:r>
+            <a:r>
+              <a:rPr lang="en-US" sz="2400" dirty="0" err="1">
+                <a:solidFill>
+                  <a:srgbClr val="C00000"/>
+                </a:solidFill>
+              </a:rPr>
+              <a:t>são</a:t>
+            </a:r>
+            <a:r>
+              <a:rPr lang="en-US" sz="2400" dirty="0">
+                <a:solidFill>
+                  <a:srgbClr val="C00000"/>
+                </a:solidFill>
+              </a:rPr>
+              <a:t>: ' </a:t>
             </a:r>
             <a:r>
               <a:rPr lang="en-US" sz="2400" dirty="0"/>
@@ -45008,32 +45839,32 @@
           </a:lstStyle>
           <a:p>
             <a:r>
-              <a:rPr lang="en-US" sz="2400" dirty="0">
+              <a:rPr lang="pt-BR" sz="2400" dirty="0">
                 <a:solidFill>
                   <a:schemeClr val="bg1"/>
                 </a:solidFill>
               </a:rPr>
-              <a:t>Enter your first name: Susan</a:t>
+              <a:t>Informe seu primeiro nome: Cynthia</a:t>
             </a:r>
           </a:p>
           <a:p>
             <a:r>
-              <a:rPr lang="en-US" sz="2400" dirty="0">
+              <a:rPr lang="pt-BR" sz="2400" dirty="0">
                 <a:solidFill>
                   <a:schemeClr val="bg1"/>
                 </a:solidFill>
               </a:rPr>
-              <a:t>Enter your last name: Ibach</a:t>
+              <a:t>Informe seu ultimo nome: Zanoni</a:t>
             </a:r>
           </a:p>
           <a:p>
             <a:r>
-              <a:rPr lang="en-US" sz="2400" dirty="0">
+              <a:rPr lang="pt-BR" sz="2400" dirty="0">
                 <a:solidFill>
                   <a:schemeClr val="bg1"/>
                 </a:solidFill>
               </a:rPr>
-              <a:t>Your initials are: SI</a:t>
+              <a:t>Suas iniciais são: CZ</a:t>
             </a:r>
             <a:endParaRPr lang="en-CA" sz="2400" dirty="0"/>
           </a:p>
@@ -45167,20 +45998,14 @@
         </p:nvSpPr>
         <p:spPr/>
         <p:txBody>
-          <a:bodyPr/>
+          <a:bodyPr>
+            <a:normAutofit fontScale="90000"/>
+          </a:bodyPr>
           <a:lstStyle/>
           <a:p>
             <a:r>
-              <a:rPr lang="en-US" b="1" dirty="0"/>
-              <a:t>I can still use a function, but this time my </a:t>
-            </a:r>
-            <a:r>
-              <a:rPr lang="en-US" b="1"/>
-              <a:t>function returns a </a:t>
-            </a:r>
-            <a:r>
-              <a:rPr lang="en-US" b="1" dirty="0"/>
-              <a:t>value</a:t>
+              <a:rPr lang="pt-BR" b="1" dirty="0"/>
+              <a:t>Ainda posso usar uma função, mas desta vez minha função retorna um valor</a:t>
             </a:r>
             <a:endParaRPr lang="en-US" dirty="0"/>
           </a:p>
@@ -45199,7 +46024,7 @@
         <p:spPr>
           <a:xfrm>
             <a:off x="365760" y="1897062"/>
-            <a:ext cx="11704320" cy="5275290"/>
+            <a:ext cx="11704320" cy="3999556"/>
           </a:xfrm>
         </p:spPr>
         <p:txBody>
@@ -45207,60 +46032,106 @@
           <a:lstStyle/>
           <a:p>
             <a:r>
-              <a:rPr lang="en-US" sz="2400" dirty="0"/>
+              <a:rPr lang="en-US" sz="2100" dirty="0"/>
               <a:t>def </a:t>
             </a:r>
             <a:r>
-              <a:rPr lang="en-US" sz="2400" dirty="0" err="1"/>
+              <a:rPr lang="en-US" sz="2100" dirty="0" err="1"/>
               <a:t>get_initial</a:t>
             </a:r>
             <a:r>
-              <a:rPr lang="en-US" sz="2400" dirty="0"/>
+              <a:rPr lang="en-US" sz="2100" dirty="0"/>
               <a:t>(name):</a:t>
             </a:r>
           </a:p>
           <a:p>
             <a:r>
-              <a:rPr lang="en-US" sz="2400" dirty="0"/>
+              <a:rPr lang="en-US" sz="2100" dirty="0"/>
               <a:t>	initial = name[0:1]</a:t>
             </a:r>
           </a:p>
           <a:p>
             <a:r>
-              <a:rPr lang="en-US" sz="2400" dirty="0"/>
+              <a:rPr lang="en-US" sz="2100" dirty="0"/>
               <a:t>	</a:t>
             </a:r>
             <a:r>
-              <a:rPr lang="en-US" sz="2400" dirty="0">
+              <a:rPr lang="en-US" sz="2100" dirty="0">
                 <a:highlight>
                   <a:srgbClr val="FFFF00"/>
                 </a:highlight>
               </a:rPr>
               <a:t>return initial</a:t>
             </a:r>
-          </a:p>
-          <a:p>
             <a:br>
-              <a:rPr lang="en-US" sz="2400" dirty="0"/>
+              <a:rPr lang="en-US" sz="2100" dirty="0"/>
             </a:br>
             <a:r>
-              <a:rPr lang="en-US" sz="2400" dirty="0" err="1"/>
+              <a:rPr lang="en-US" sz="2100" dirty="0" err="1"/>
               <a:t>first_name</a:t>
             </a:r>
             <a:r>
-              <a:rPr lang="en-US" sz="2400" dirty="0"/>
+              <a:rPr lang="en-US" sz="2100" dirty="0"/>
               <a:t> = input(</a:t>
             </a:r>
             <a:r>
-              <a:rPr lang="en-US" sz="2400" dirty="0">
+              <a:rPr lang="en-US" sz="2100" dirty="0">
                 <a:solidFill>
                   <a:srgbClr val="C00000"/>
                 </a:solidFill>
               </a:rPr>
-              <a:t>'Enter your first name: '</a:t>
-            </a:r>
-            <a:r>
-              <a:rPr lang="en-US" sz="2400" dirty="0">
+              <a:t>'Informe </a:t>
+            </a:r>
+            <a:r>
+              <a:rPr lang="en-US" sz="2100" dirty="0" err="1">
+                <a:solidFill>
+                  <a:srgbClr val="C00000"/>
+                </a:solidFill>
+              </a:rPr>
+              <a:t>seu</a:t>
+            </a:r>
+            <a:r>
+              <a:rPr lang="en-US" sz="2100" dirty="0">
+                <a:solidFill>
+                  <a:srgbClr val="C00000"/>
+                </a:solidFill>
+              </a:rPr>
+              <a:t> </a:t>
+            </a:r>
+            <a:r>
+              <a:rPr lang="en-US" sz="2100" dirty="0" err="1">
+                <a:solidFill>
+                  <a:srgbClr val="C00000"/>
+                </a:solidFill>
+              </a:rPr>
+              <a:t>primeiro</a:t>
+            </a:r>
+            <a:r>
+              <a:rPr lang="en-US" sz="2100" dirty="0">
+                <a:solidFill>
+                  <a:srgbClr val="C00000"/>
+                </a:solidFill>
+              </a:rPr>
+              <a:t> </a:t>
+            </a:r>
+            <a:r>
+              <a:rPr lang="en-US" sz="2100" dirty="0" err="1">
+                <a:solidFill>
+                  <a:srgbClr val="C00000"/>
+                </a:solidFill>
+              </a:rPr>
+              <a:t>nome</a:t>
+            </a:r>
+            <a:r>
+              <a:rPr lang="en-US" sz="2100" dirty="0">
+                <a:solidFill>
+                  <a:srgbClr val="C00000"/>
+                </a:solidFill>
+              </a:rPr>
+              <a:t>: '</a:t>
+            </a:r>
+            <a:r>
+              <a:rPr lang="en-US" sz="2100" dirty="0">
                 <a:solidFill>
                   <a:srgbClr val="002050"/>
                 </a:solidFill>
@@ -45270,7 +46141,7 @@
           </a:p>
           <a:p>
             <a:r>
-              <a:rPr lang="en-US" sz="2400" dirty="0" err="1">
+              <a:rPr lang="en-US" sz="2100" dirty="0" err="1">
                 <a:highlight>
                   <a:srgbClr val="FFFF00"/>
                 </a:highlight>
@@ -45278,7 +46149,7 @@
               <a:t>first_name_initial</a:t>
             </a:r>
             <a:r>
-              <a:rPr lang="en-US" sz="2400" dirty="0">
+              <a:rPr lang="en-US" sz="2100" dirty="0">
                 <a:highlight>
                   <a:srgbClr val="FFFF00"/>
                 </a:highlight>
@@ -45286,7 +46157,7 @@
               <a:t> = </a:t>
             </a:r>
             <a:r>
-              <a:rPr lang="en-US" sz="2400" dirty="0" err="1">
+              <a:rPr lang="en-US" sz="2100" dirty="0" err="1">
                 <a:highlight>
                   <a:srgbClr val="FFFF00"/>
                 </a:highlight>
@@ -45294,7 +46165,7 @@
               <a:t>get_initial</a:t>
             </a:r>
             <a:r>
-              <a:rPr lang="en-US" sz="2400" dirty="0">
+              <a:rPr lang="en-US" sz="2100" dirty="0">
                 <a:highlight>
                   <a:srgbClr val="FFFF00"/>
                 </a:highlight>
@@ -45302,7 +46173,7 @@
               <a:t>(</a:t>
             </a:r>
             <a:r>
-              <a:rPr lang="en-US" sz="2400" dirty="0" err="1">
+              <a:rPr lang="en-US" sz="2100" dirty="0" err="1">
                 <a:highlight>
                   <a:srgbClr val="FFFF00"/>
                 </a:highlight>
@@ -45310,7 +46181,7 @@
               <a:t>first_name</a:t>
             </a:r>
             <a:r>
-              <a:rPr lang="en-US" sz="2400" dirty="0">
+              <a:rPr lang="en-US" sz="2100" dirty="0">
                 <a:highlight>
                   <a:srgbClr val="FFFF00"/>
                 </a:highlight>
@@ -45320,26 +46191,58 @@
           </a:p>
           <a:p>
             <a:br>
-              <a:rPr lang="en-US" sz="2400" dirty="0"/>
+              <a:rPr lang="en-US" sz="2100" dirty="0"/>
             </a:br>
             <a:r>
-              <a:rPr lang="en-US" sz="2400" dirty="0" err="1"/>
+              <a:rPr lang="en-US" sz="2100" dirty="0" err="1"/>
               <a:t>last_name</a:t>
             </a:r>
             <a:r>
-              <a:rPr lang="en-US" sz="2400" dirty="0"/>
+              <a:rPr lang="en-US" sz="2100" dirty="0"/>
               <a:t> = input(</a:t>
             </a:r>
             <a:r>
-              <a:rPr lang="en-US" sz="2400" dirty="0">
+              <a:rPr lang="en-US" sz="2100" dirty="0">
                 <a:solidFill>
                   <a:srgbClr val="C00000"/>
                 </a:solidFill>
               </a:rPr>
-              <a:t>'Enter your last name: '</a:t>
-            </a:r>
-            <a:r>
-              <a:rPr lang="en-US" sz="2400" dirty="0">
+              <a:t>'Informe </a:t>
+            </a:r>
+            <a:r>
+              <a:rPr lang="en-US" sz="2100" dirty="0" err="1">
+                <a:solidFill>
+                  <a:srgbClr val="C00000"/>
+                </a:solidFill>
+              </a:rPr>
+              <a:t>seu</a:t>
+            </a:r>
+            <a:r>
+              <a:rPr lang="en-US" sz="2100" dirty="0">
+                <a:solidFill>
+                  <a:srgbClr val="C00000"/>
+                </a:solidFill>
+              </a:rPr>
+              <a:t> ultimo </a:t>
+            </a:r>
+            <a:r>
+              <a:rPr lang="en-US" sz="2100" dirty="0" err="1">
+                <a:solidFill>
+                  <a:srgbClr val="C00000"/>
+                </a:solidFill>
+              </a:rPr>
+              <a:t>nome</a:t>
+            </a:r>
+            <a:r>
+              <a:rPr lang="en-US" sz="2100" dirty="0">
+                <a:solidFill>
+                  <a:srgbClr val="C00000"/>
+                </a:solidFill>
+              </a:rPr>
+              <a:t>: '</a:t>
+            </a:r>
+            <a:r>
+              <a:rPr lang="en-US" sz="2100" dirty="0">
                 <a:solidFill>
                   <a:srgbClr val="002050"/>
                 </a:solidFill>
@@ -45349,7 +46252,7 @@
           </a:p>
           <a:p>
             <a:r>
-              <a:rPr lang="en-US" sz="2400" dirty="0" err="1">
+              <a:rPr lang="en-US" sz="2100" dirty="0" err="1">
                 <a:highlight>
                   <a:srgbClr val="FFFF00"/>
                 </a:highlight>
@@ -45357,7 +46260,7 @@
               <a:t>last_name_initial</a:t>
             </a:r>
             <a:r>
-              <a:rPr lang="en-US" sz="2400" dirty="0">
+              <a:rPr lang="en-US" sz="2100" dirty="0">
                 <a:highlight>
                   <a:srgbClr val="FFFF00"/>
                 </a:highlight>
@@ -45365,7 +46268,7 @@
               <a:t> = </a:t>
             </a:r>
             <a:r>
-              <a:rPr lang="en-US" sz="2400" dirty="0" err="1">
+              <a:rPr lang="en-US" sz="2100" dirty="0" err="1">
                 <a:highlight>
                   <a:srgbClr val="FFFF00"/>
                 </a:highlight>
@@ -45373,7 +46276,7 @@
               <a:t>get_initial</a:t>
             </a:r>
             <a:r>
-              <a:rPr lang="en-US" sz="2400" dirty="0">
+              <a:rPr lang="en-US" sz="2100" dirty="0">
                 <a:highlight>
                   <a:srgbClr val="FFFF00"/>
                 </a:highlight>
@@ -45381,7 +46284,7 @@
               <a:t>(</a:t>
             </a:r>
             <a:r>
-              <a:rPr lang="en-US" sz="2400" dirty="0" err="1">
+              <a:rPr lang="en-US" sz="2100" dirty="0" err="1">
                 <a:highlight>
                   <a:srgbClr val="FFFF00"/>
                 </a:highlight>
@@ -45389,60 +46292,106 @@
               <a:t>last_name</a:t>
             </a:r>
             <a:r>
-              <a:rPr lang="en-US" sz="2400" dirty="0">
+              <a:rPr lang="en-US" sz="2100" dirty="0">
                 <a:highlight>
                   <a:srgbClr val="FFFF00"/>
                 </a:highlight>
               </a:rPr>
               <a:t>)</a:t>
             </a:r>
+            <a:endParaRPr lang="en-US" sz="2100" dirty="0"/>
           </a:p>
           <a:p>
-            <a:endParaRPr lang="en-US" sz="2400" dirty="0"/>
-          </a:p>
-          <a:p>
-            <a:r>
-              <a:rPr lang="en-US" sz="2400" dirty="0"/>
+            <a:r>
+              <a:rPr lang="en-US" sz="2100" dirty="0"/>
               <a:t>print(</a:t>
             </a:r>
             <a:r>
-              <a:rPr lang="en-US" sz="2400" dirty="0">
+              <a:rPr lang="en-US" sz="2100" dirty="0">
                 <a:solidFill>
                   <a:srgbClr val="C00000"/>
                 </a:solidFill>
               </a:rPr>
-              <a:t>'Your initials are: ' </a:t>
-            </a:r>
-            <a:r>
-              <a:rPr lang="en-US" sz="2400" dirty="0"/>
+              <a:t>'</a:t>
+            </a:r>
+            <a:r>
+              <a:rPr lang="en-US" sz="2100" dirty="0" err="1">
+                <a:solidFill>
+                  <a:srgbClr val="C00000"/>
+                </a:solidFill>
+              </a:rPr>
+              <a:t>Suas</a:t>
+            </a:r>
+            <a:r>
+              <a:rPr lang="en-US" sz="2100" dirty="0">
+                <a:solidFill>
+                  <a:srgbClr val="C00000"/>
+                </a:solidFill>
+              </a:rPr>
+              <a:t> </a:t>
+            </a:r>
+            <a:r>
+              <a:rPr lang="en-US" sz="2100" dirty="0" err="1">
+                <a:solidFill>
+                  <a:srgbClr val="C00000"/>
+                </a:solidFill>
+              </a:rPr>
+              <a:t>iniciais</a:t>
+            </a:r>
+            <a:r>
+              <a:rPr lang="en-US" sz="2100" dirty="0">
+                <a:solidFill>
+                  <a:srgbClr val="C00000"/>
+                </a:solidFill>
+              </a:rPr>
+              <a:t> </a:t>
+            </a:r>
+            <a:r>
+              <a:rPr lang="en-US" sz="2100" dirty="0" err="1">
+                <a:solidFill>
+                  <a:srgbClr val="C00000"/>
+                </a:solidFill>
+              </a:rPr>
+              <a:t>são</a:t>
+            </a:r>
+            <a:r>
+              <a:rPr lang="en-US" sz="2100" dirty="0">
+                <a:solidFill>
+                  <a:srgbClr val="C00000"/>
+                </a:solidFill>
+              </a:rPr>
+              <a:t>: ' </a:t>
+            </a:r>
+            <a:r>
+              <a:rPr lang="en-US" sz="2100" dirty="0"/>
               <a:t>+ </a:t>
             </a:r>
             <a:r>
-              <a:rPr lang="en-US" sz="2400" dirty="0" err="1"/>
+              <a:rPr lang="en-US" sz="2100" dirty="0" err="1"/>
               <a:t>first_name_initial</a:t>
             </a:r>
             <a:r>
-              <a:rPr lang="en-US" sz="2400" dirty="0"/>
+              <a:rPr lang="en-US" sz="2100" dirty="0"/>
               <a:t> \</a:t>
             </a:r>
           </a:p>
           <a:p>
             <a:r>
-              <a:rPr lang="en-US" sz="2400" dirty="0"/>
+              <a:rPr lang="en-US" sz="2100" dirty="0"/>
               <a:t>	+ </a:t>
             </a:r>
             <a:r>
-              <a:rPr lang="en-US" sz="2400" dirty="0" err="1"/>
+              <a:rPr lang="en-US" sz="2100" dirty="0" err="1"/>
               <a:t>last_name_initial</a:t>
             </a:r>
             <a:r>
-              <a:rPr lang="en-US" sz="2400" dirty="0"/>
+              <a:rPr lang="en-US" sz="2100" dirty="0"/>
               <a:t>)</a:t>
             </a:r>
-            <a:endParaRPr lang="en-CA" sz="2400" dirty="0"/>
+            <a:endParaRPr lang="en-CA" sz="2100" dirty="0"/>
           </a:p>
           <a:p>
-            <a:endParaRPr lang="en-US" sz="2400" dirty="0">
+            <a:endParaRPr lang="en-US" sz="2100" dirty="0">
               <a:highlight>
                 <a:srgbClr val="FFFF00"/>
               </a:highlight>
@@ -45704,40 +46653,32 @@
           </a:lstStyle>
           <a:p>
             <a:r>
-              <a:rPr lang="en-US" sz="2400" dirty="0">
+              <a:rPr lang="pt-BR" sz="2400" dirty="0">
                 <a:solidFill>
                   <a:schemeClr val="bg1"/>
                 </a:solidFill>
               </a:rPr>
-              <a:t>Enter your first name: susan</a:t>
+              <a:t>Informe seu primeiro nome: Cynthia</a:t>
             </a:r>
           </a:p>
           <a:p>
             <a:r>
-              <a:rPr lang="en-US" sz="2400" dirty="0">
+              <a:rPr lang="pt-BR" sz="2400" dirty="0">
                 <a:solidFill>
                   <a:schemeClr val="bg1"/>
                 </a:solidFill>
               </a:rPr>
-              <a:t>Enter your last name: ibach</a:t>
+              <a:t>Informe seu ultimo nome: Zanoni</a:t>
             </a:r>
           </a:p>
           <a:p>
             <a:r>
-              <a:rPr lang="en-US" sz="2400" dirty="0">
+              <a:rPr lang="pt-BR" sz="2400" dirty="0">
                 <a:solidFill>
                   <a:schemeClr val="bg1"/>
                 </a:solidFill>
               </a:rPr>
-              <a:t>Your initials are: </a:t>
-            </a:r>
-            <a:r>
-              <a:rPr lang="en-US" sz="2400" dirty="0" err="1">
-                <a:solidFill>
-                  <a:schemeClr val="bg1"/>
-                </a:solidFill>
-              </a:rPr>
-              <a:t>si</a:t>
+              <a:t>Suas iniciais são: CZ</a:t>
             </a:r>
             <a:endParaRPr lang="en-CA" sz="2400" dirty="0"/>
           </a:p>
@@ -45875,8 +46816,8 @@
           <a:lstStyle/>
           <a:p>
             <a:r>
-              <a:rPr lang="en-US" b="1" dirty="0"/>
-              <a:t>If you need to change something you only have to change it in one place!</a:t>
+              <a:rPr lang="pt-BR" b="1" dirty="0"/>
+              <a:t>Se você precisar alterar algo, basta alterá-lo em um só lugar!</a:t>
             </a:r>
             <a:endParaRPr lang="en-US" dirty="0"/>
           </a:p>
@@ -45895,7 +46836,7 @@
         <p:spPr>
           <a:xfrm>
             <a:off x="365760" y="1897062"/>
-            <a:ext cx="11704320" cy="5386090"/>
+            <a:ext cx="11704320" cy="3604064"/>
           </a:xfrm>
         </p:spPr>
         <p:txBody>
@@ -45903,29 +46844,29 @@
           <a:lstStyle/>
           <a:p>
             <a:r>
-              <a:rPr lang="en-US" sz="2400" dirty="0"/>
+              <a:rPr lang="en-US" sz="2000" dirty="0"/>
               <a:t>def </a:t>
             </a:r>
             <a:r>
-              <a:rPr lang="en-US" sz="2400" dirty="0" err="1"/>
+              <a:rPr lang="en-US" sz="2000" dirty="0" err="1"/>
               <a:t>get_initial</a:t>
             </a:r>
             <a:r>
-              <a:rPr lang="en-US" sz="2400" dirty="0"/>
+              <a:rPr lang="en-US" sz="2000" dirty="0"/>
               <a:t>(name):</a:t>
             </a:r>
           </a:p>
           <a:p>
             <a:r>
-              <a:rPr lang="en-CA" dirty="0"/>
+              <a:rPr lang="en-CA" sz="2800" dirty="0"/>
               <a:t>	</a:t>
             </a:r>
             <a:r>
-              <a:rPr lang="en-CA" sz="2400" dirty="0"/>
+              <a:rPr lang="en-CA" sz="2000" dirty="0"/>
               <a:t>initial = name[0:1]</a:t>
             </a:r>
             <a:r>
-              <a:rPr lang="en-CA" sz="2400" dirty="0">
+              <a:rPr lang="en-CA" sz="2000" dirty="0">
                 <a:highlight>
                   <a:srgbClr val="FFFF00"/>
                 </a:highlight>
@@ -45935,32 +46876,80 @@
           </a:p>
           <a:p>
             <a:r>
-              <a:rPr lang="en-US" sz="2400" dirty="0"/>
+              <a:rPr lang="en-US" sz="2000" dirty="0"/>
               <a:t>	return initial</a:t>
             </a:r>
           </a:p>
           <a:p>
             <a:br>
-              <a:rPr lang="en-US" sz="2400" dirty="0"/>
+              <a:rPr lang="en-US" sz="2000" dirty="0"/>
             </a:br>
             <a:r>
-              <a:rPr lang="en-US" sz="2400" dirty="0" err="1"/>
+              <a:rPr lang="en-US" sz="2000" dirty="0" err="1"/>
               <a:t>first_name</a:t>
             </a:r>
             <a:r>
-              <a:rPr lang="en-US" sz="2400" dirty="0"/>
+              <a:rPr lang="en-US" sz="2000" dirty="0"/>
               <a:t> = input(</a:t>
             </a:r>
             <a:r>
-              <a:rPr lang="en-US" sz="2400" dirty="0">
+              <a:rPr lang="en-US" sz="2000" dirty="0">
                 <a:solidFill>
                   <a:srgbClr val="C00000"/>
                 </a:solidFill>
               </a:rPr>
-              <a:t>'Enter your first name: '</a:t>
-            </a:r>
-            <a:r>
-              <a:rPr lang="en-US" sz="2400" dirty="0">
+              <a:t>'Informe </a:t>
+            </a:r>
+            <a:r>
+              <a:rPr lang="en-US" sz="2000" dirty="0" err="1">
+                <a:solidFill>
+                  <a:srgbClr val="C00000"/>
+                </a:solidFill>
+              </a:rPr>
+              <a:t>seu</a:t>
+            </a:r>
+            <a:r>
+              <a:rPr lang="en-US" sz="2000" dirty="0">
+                <a:solidFill>
+                  <a:srgbClr val="C00000"/>
+                </a:solidFill>
+              </a:rPr>
+              <a:t> </a:t>
+            </a:r>
+            <a:r>
+              <a:rPr lang="en-US" sz="2000" dirty="0" err="1">
+                <a:solidFill>
+                  <a:srgbClr val="C00000"/>
+                </a:solidFill>
+              </a:rPr>
+              <a:t>primeiro</a:t>
+            </a:r>
+            <a:r>
+              <a:rPr lang="en-US" sz="2000" dirty="0">
+                <a:solidFill>
+                  <a:srgbClr val="C00000"/>
+                </a:solidFill>
+              </a:rPr>
+              <a:t> </a:t>
+            </a:r>
+            <a:r>
+              <a:rPr lang="en-US" sz="2000" dirty="0" err="1">
+                <a:solidFill>
+                  <a:srgbClr val="C00000"/>
+                </a:solidFill>
+              </a:rPr>
+              <a:t>nome</a:t>
+            </a:r>
+            <a:r>
+              <a:rPr lang="en-US" sz="2000" dirty="0">
+                <a:solidFill>
+                  <a:srgbClr val="C00000"/>
+                </a:solidFill>
+              </a:rPr>
+              <a:t>: '</a:t>
+            </a:r>
+            <a:r>
+              <a:rPr lang="en-US" sz="2000" dirty="0">
                 <a:solidFill>
                   <a:srgbClr val="002050"/>
                 </a:solidFill>
@@ -45970,52 +46959,82 @@
           </a:p>
           <a:p>
             <a:r>
-              <a:rPr lang="en-US" sz="2400" dirty="0" err="1"/>
+              <a:rPr lang="en-US" sz="2000" dirty="0" err="1"/>
               <a:t>first_name_initial</a:t>
             </a:r>
             <a:r>
-              <a:rPr lang="en-US" sz="2400" dirty="0"/>
+              <a:rPr lang="en-US" sz="2000" dirty="0"/>
               <a:t> = </a:t>
             </a:r>
             <a:r>
-              <a:rPr lang="en-US" sz="2400" dirty="0" err="1"/>
+              <a:rPr lang="en-US" sz="2000" dirty="0" err="1"/>
               <a:t>get_initial</a:t>
             </a:r>
             <a:r>
-              <a:rPr lang="en-US" sz="2400" dirty="0"/>
+              <a:rPr lang="en-US" sz="2000" dirty="0"/>
               <a:t>(</a:t>
             </a:r>
             <a:r>
-              <a:rPr lang="en-US" sz="2400" dirty="0" err="1"/>
+              <a:rPr lang="en-US" sz="2000" dirty="0" err="1"/>
               <a:t>first_name</a:t>
             </a:r>
             <a:r>
-              <a:rPr lang="en-US" sz="2400" dirty="0"/>
+              <a:rPr lang="en-US" sz="2000" dirty="0"/>
               <a:t>)</a:t>
             </a:r>
-          </a:p>
-          <a:p>
             <a:br>
-              <a:rPr lang="en-US" sz="2400" dirty="0"/>
+              <a:rPr lang="en-US" sz="2000" dirty="0"/>
             </a:br>
             <a:r>
-              <a:rPr lang="en-US" sz="2400" dirty="0" err="1"/>
+              <a:rPr lang="en-US" sz="2000" dirty="0" err="1"/>
               <a:t>last_name</a:t>
             </a:r>
             <a:r>
-              <a:rPr lang="en-US" sz="2400" dirty="0"/>
+              <a:rPr lang="en-US" sz="2000" dirty="0"/>
               <a:t> = input(</a:t>
             </a:r>
             <a:r>
-              <a:rPr lang="en-US" sz="2400" dirty="0">
+              <a:rPr lang="en-US" sz="2000" dirty="0">
                 <a:solidFill>
                   <a:srgbClr val="C00000"/>
                 </a:solidFill>
               </a:rPr>
-              <a:t>'Enter your last name: '</a:t>
-            </a:r>
-            <a:r>
-              <a:rPr lang="en-US" sz="2400" dirty="0">
+              <a:t>'Informe </a:t>
+            </a:r>
+            <a:r>
+              <a:rPr lang="en-US" sz="2000" dirty="0" err="1">
+                <a:solidFill>
+                  <a:srgbClr val="C00000"/>
+                </a:solidFill>
+              </a:rPr>
+              <a:t>seu</a:t>
+            </a:r>
+            <a:r>
+              <a:rPr lang="en-US" sz="2000" dirty="0">
+                <a:solidFill>
+                  <a:srgbClr val="C00000"/>
+                </a:solidFill>
+              </a:rPr>
+              <a:t> ultimo </a:t>
+            </a:r>
+            <a:r>
+              <a:rPr lang="en-US" sz="2000" dirty="0" err="1">
+                <a:solidFill>
+                  <a:srgbClr val="C00000"/>
+                </a:solidFill>
+              </a:rPr>
+              <a:t>nome</a:t>
+            </a:r>
+            <a:r>
+              <a:rPr lang="en-US" sz="2000" dirty="0">
+                <a:solidFill>
+                  <a:srgbClr val="C00000"/>
+                </a:solidFill>
+              </a:rPr>
+              <a:t>: '</a:t>
+            </a:r>
+            <a:r>
+              <a:rPr lang="en-US" sz="2000" dirty="0">
                 <a:solidFill>
                   <a:srgbClr val="002050"/>
                 </a:solidFill>
@@ -46025,76 +47044,118 @@
           </a:p>
           <a:p>
             <a:r>
-              <a:rPr lang="en-US" sz="2400" dirty="0" err="1"/>
+              <a:rPr lang="en-US" sz="2000" dirty="0" err="1"/>
               <a:t>last_name_initial</a:t>
             </a:r>
             <a:r>
-              <a:rPr lang="en-US" sz="2400" dirty="0"/>
+              <a:rPr lang="en-US" sz="2000" dirty="0"/>
               <a:t> = </a:t>
             </a:r>
             <a:r>
-              <a:rPr lang="en-US" sz="2400" dirty="0" err="1"/>
+              <a:rPr lang="en-US" sz="2000" dirty="0" err="1"/>
               <a:t>get_initial</a:t>
             </a:r>
             <a:r>
-              <a:rPr lang="en-US" sz="2400" dirty="0"/>
+              <a:rPr lang="en-US" sz="2000" dirty="0"/>
               <a:t>(</a:t>
             </a:r>
             <a:r>
-              <a:rPr lang="en-US" sz="2400" dirty="0" err="1"/>
+              <a:rPr lang="en-US" sz="2000" dirty="0" err="1"/>
               <a:t>last_name</a:t>
             </a:r>
             <a:r>
-              <a:rPr lang="en-US" sz="2400" dirty="0"/>
+              <a:rPr lang="en-US" sz="2000" dirty="0"/>
               <a:t>)</a:t>
             </a:r>
           </a:p>
           <a:p>
-            <a:endParaRPr lang="en-US" sz="2400" dirty="0"/>
-          </a:p>
-          <a:p>
-            <a:r>
-              <a:rPr lang="en-US" sz="2400" dirty="0"/>
+            <a:r>
+              <a:rPr lang="en-US" sz="2000" dirty="0"/>
               <a:t>print(</a:t>
             </a:r>
             <a:r>
-              <a:rPr lang="en-US" sz="2400" dirty="0">
+              <a:rPr lang="en-US" sz="2000" dirty="0">
                 <a:solidFill>
                   <a:srgbClr val="C00000"/>
                 </a:solidFill>
               </a:rPr>
-              <a:t>'Your initials are: ' </a:t>
-            </a:r>
-            <a:r>
-              <a:rPr lang="en-US" sz="2400" dirty="0"/>
+              <a:t>'</a:t>
+            </a:r>
+            <a:r>
+              <a:rPr lang="en-US" sz="2000" dirty="0" err="1">
+                <a:solidFill>
+                  <a:srgbClr val="C00000"/>
+                </a:solidFill>
+              </a:rPr>
+              <a:t>Suas</a:t>
+            </a:r>
+            <a:r>
+              <a:rPr lang="en-US" sz="2000" dirty="0">
+                <a:solidFill>
+                  <a:srgbClr val="C00000"/>
+                </a:solidFill>
+              </a:rPr>
+              <a:t> </a:t>
+            </a:r>
+            <a:r>
+              <a:rPr lang="en-US" sz="2000" dirty="0" err="1">
+                <a:solidFill>
+                  <a:srgbClr val="C00000"/>
+                </a:solidFill>
+              </a:rPr>
+              <a:t>iniciais</a:t>
+            </a:r>
+            <a:r>
+              <a:rPr lang="en-US" sz="2000" dirty="0">
+                <a:solidFill>
+                  <a:srgbClr val="C00000"/>
+                </a:solidFill>
+              </a:rPr>
+              <a:t> </a:t>
+            </a:r>
+            <a:r>
+              <a:rPr lang="en-US" sz="2000" dirty="0" err="1">
+                <a:solidFill>
+                  <a:srgbClr val="C00000"/>
+                </a:solidFill>
+              </a:rPr>
+              <a:t>são</a:t>
+            </a:r>
+            <a:r>
+              <a:rPr lang="en-US" sz="2000" dirty="0">
+                <a:solidFill>
+                  <a:srgbClr val="C00000"/>
+                </a:solidFill>
+              </a:rPr>
+              <a:t>: ' </a:t>
+            </a:r>
+            <a:r>
+              <a:rPr lang="en-US" sz="2000" dirty="0"/>
               <a:t>+ </a:t>
             </a:r>
             <a:r>
-              <a:rPr lang="en-US" sz="2400" dirty="0" err="1"/>
+              <a:rPr lang="en-US" sz="2000" dirty="0" err="1"/>
               <a:t>first_name_initial</a:t>
             </a:r>
             <a:r>
-              <a:rPr lang="en-US" sz="2400" dirty="0"/>
+              <a:rPr lang="en-US" sz="2000" dirty="0"/>
               <a:t> \</a:t>
             </a:r>
           </a:p>
           <a:p>
             <a:r>
-              <a:rPr lang="en-US" sz="2400" dirty="0"/>
+              <a:rPr lang="en-US" sz="2000" dirty="0"/>
               <a:t>	+ </a:t>
             </a:r>
             <a:r>
-              <a:rPr lang="en-US" sz="2400" dirty="0" err="1"/>
+              <a:rPr lang="en-US" sz="2000" dirty="0" err="1"/>
               <a:t>last_name_initial</a:t>
             </a:r>
             <a:r>
-              <a:rPr lang="en-US" sz="2400" dirty="0"/>
+              <a:rPr lang="en-US" sz="2000" dirty="0"/>
               <a:t>)</a:t>
             </a:r>
-            <a:endParaRPr lang="en-CA" sz="2400" dirty="0"/>
-          </a:p>
-          <a:p>
-            <a:endParaRPr lang="en-US" sz="2400" dirty="0"/>
+            <a:endParaRPr lang="en-CA" sz="2000" dirty="0"/>
           </a:p>
         </p:txBody>
       </p:sp>
@@ -46352,32 +47413,32 @@
           </a:lstStyle>
           <a:p>
             <a:r>
-              <a:rPr lang="en-US" sz="2400" dirty="0">
+              <a:rPr lang="pt-BR" sz="2400" dirty="0">
                 <a:solidFill>
                   <a:schemeClr val="bg1"/>
                 </a:solidFill>
               </a:rPr>
-              <a:t>Enter your first name: susan</a:t>
+              <a:t>Informe seu primeiro nome: cynthia</a:t>
             </a:r>
           </a:p>
           <a:p>
             <a:r>
-              <a:rPr lang="en-US" sz="2400" dirty="0">
+              <a:rPr lang="pt-BR" sz="2400" dirty="0">
                 <a:solidFill>
                   <a:schemeClr val="bg1"/>
                 </a:solidFill>
               </a:rPr>
-              <a:t>Enter your last name: ibach</a:t>
+              <a:t>Informe seu ultimo nome: zanoni</a:t>
             </a:r>
           </a:p>
           <a:p>
             <a:r>
-              <a:rPr lang="en-US" sz="2400" dirty="0">
+              <a:rPr lang="pt-BR" sz="2400" dirty="0">
                 <a:solidFill>
                   <a:schemeClr val="bg1"/>
                 </a:solidFill>
               </a:rPr>
-              <a:t>Your initials are: SI</a:t>
+              <a:t>Suas iniciais são: CZ</a:t>
             </a:r>
             <a:endParaRPr lang="en-CA" sz="2400" dirty="0"/>
           </a:p>
@@ -47586,44 +48647,11 @@
 
 <file path=customXml/item1.xml><?xml version="1.0" encoding="utf-8"?>
 <Control xmlns="http://schemas.microsoft.com/VisualStudio/2011/storyboarding/control">
-  <Id Name="fb22c541-ded0-47fa-8877-83a4c2d16227" Revision="1" Stencil="7276b9ef-3953-4dce-a89b-ed85f20b8b93" StencilVersion="1.0"/>
+  <Id Name="369f9055-6b6c-48b9-9320-5df2d46c430a" Revision="1" Stencil="7276b9ef-3953-4dce-a89b-ed85f20b8b93" StencilVersion="1.0"/>
 </Control>
 </file>
 
 <file path=customXml/item10.xml><?xml version="1.0" encoding="utf-8"?>
-<Control xmlns="http://schemas.microsoft.com/VisualStudio/2011/storyboarding/control">
-  <Id Name="fb22c541-ded0-47fa-8877-83a4c2d16227" Revision="1" Stencil="7276b9ef-3953-4dce-a89b-ed85f20b8b93" StencilVersion="1.0"/>
-</Control>
-</file>
-
-<file path=customXml/item11.xml><?xml version="1.0" encoding="utf-8"?>
-<Control xmlns="http://schemas.microsoft.com/VisualStudio/2011/storyboarding/control">
-  <Id Name="fb22c541-ded0-47fa-8877-83a4c2d16227" Revision="1" Stencil="7276b9ef-3953-4dce-a89b-ed85f20b8b93" StencilVersion="1.0"/>
-</Control>
-</file>
-
-<file path=customXml/item12.xml><?xml version="1.0" encoding="utf-8"?>
-<Control xmlns="http://schemas.microsoft.com/VisualStudio/2011/storyboarding/control">
-  <Id Name="a53d73d2-368b-429e-b817-1324eec1382c" Revision="1" Stencil="7276b9ef-3953-4dce-a89b-ed85f20b8b93" StencilVersion="1.0"/>
-</Control>
-</file>
-
-<file path=customXml/item13.xml><?xml version="1.0" encoding="utf-8"?>
-<Control xmlns="http://schemas.microsoft.com/VisualStudio/2011/storyboarding/control">
-  <Id Name="a2191c86-fc50-4add-948c-129f6b5a88d8" Revision="1" Stencil="7276b9ef-3953-4dce-a89b-ed85f20b8b93" StencilVersion="1.0"/>
-</Control>
-</file>
-
-<file path=customXml/item14.xml><?xml version="1.0" encoding="utf-8"?>
-<?mso-contentType ?>
-<FormTemplates xmlns="http://schemas.microsoft.com/sharepoint/v3/contenttype/forms">
-  <Display>DocumentLibraryForm</Display>
-  <Edit>DocumentLibraryForm</Edit>
-  <New>DocumentLibraryForm</New>
-</FormTemplates>
-</file>
-
-<file path=customXml/item15.xml><?xml version="1.0" encoding="utf-8"?>
 <p:properties xmlns:p="http://schemas.microsoft.com/office/2006/metadata/properties" xmlns:xsi="http://www.w3.org/2001/XMLSchema-instance" xmlns:pc="http://schemas.microsoft.com/office/infopath/2007/PartnerControls">
   <documentManagement>
     <SharedWithUsers xmlns="83cd2334-221a-48c3-9034-bfd1542dfe28">
@@ -47647,19 +48675,31 @@
 </p:properties>
 </file>
 
-<file path=customXml/item16.xml><?xml version="1.0" encoding="utf-8"?>
-<Control xmlns="http://schemas.microsoft.com/VisualStudio/2011/storyboarding/control">
-  <Id Name="a53d73d2-368b-429e-b817-1324eec1382c" Revision="1" Stencil="7276b9ef-3953-4dce-a89b-ed85f20b8b93" StencilVersion="1.0"/>
-</Control>
-</file>
-
-<file path=customXml/item17.xml><?xml version="1.0" encoding="utf-8"?>
+<file path=customXml/item11.xml><?xml version="1.0" encoding="utf-8"?>
 <Control xmlns="http://schemas.microsoft.com/VisualStudio/2011/storyboarding/control">
   <Id Name="d69996e1-3d61-4686-9b63-f1b855c596ab" Revision="1" Stencil="7276b9ef-3953-4dce-a89b-ed85f20b8b93" StencilVersion="1.0"/>
 </Control>
 </file>
 
-<file path=customXml/item18.xml><?xml version="1.0" encoding="utf-8"?>
+<file path=customXml/item12.xml><?xml version="1.0" encoding="utf-8"?>
+<Control xmlns="http://schemas.microsoft.com/VisualStudio/2011/storyboarding/control">
+  <Id Name="369f9055-6b6c-48b9-9320-5df2d46c430a" Revision="1" Stencil="7276b9ef-3953-4dce-a89b-ed85f20b8b93" StencilVersion="1.0"/>
+</Control>
+</file>
+
+<file path=customXml/item13.xml><?xml version="1.0" encoding="utf-8"?>
+<Control xmlns="http://schemas.microsoft.com/VisualStudio/2011/storyboarding/control">
+  <Id Name="d69996e1-3d61-4686-9b63-f1b855c596ab" Revision="1" Stencil="7276b9ef-3953-4dce-a89b-ed85f20b8b93" StencilVersion="1.0"/>
+</Control>
+</file>
+
+<file path=customXml/item14.xml><?xml version="1.0" encoding="utf-8"?>
+<Control xmlns="http://schemas.microsoft.com/VisualStudio/2011/storyboarding/control">
+  <Id Name="a2191c86-fc50-4add-948c-129f6b5a88d8" Revision="1" Stencil="7276b9ef-3953-4dce-a89b-ed85f20b8b93" StencilVersion="1.0"/>
+</Control>
+</file>
+
+<file path=customXml/item15.xml><?xml version="1.0" encoding="utf-8"?>
 <?mso-contentType ?>
 <FormTemplates xmlns="http://schemas.microsoft.com/sharepoint/v3/contenttype/forms">
   <Display>DocumentLibraryForm</Display>
@@ -47668,31 +48708,7 @@
 </FormTemplates>
 </file>
 
-<file path=customXml/item19.xml><?xml version="1.0" encoding="utf-8"?>
-<Control xmlns="http://schemas.microsoft.com/VisualStudio/2011/storyboarding/control">
-  <Id Name="a2191c86-fc50-4add-948c-129f6b5a88d8" Revision="1" Stencil="7276b9ef-3953-4dce-a89b-ed85f20b8b93" StencilVersion="1.0"/>
-</Control>
-</file>
-
-<file path=customXml/item2.xml><?xml version="1.0" encoding="utf-8"?>
-<Control xmlns="http://schemas.microsoft.com/VisualStudio/2011/storyboarding/control">
-  <Id Name="fb22c541-ded0-47fa-8877-83a4c2d16227" Revision="1" Stencil="7276b9ef-3953-4dce-a89b-ed85f20b8b93" StencilVersion="1.0"/>
-</Control>
-</file>
-
-<file path=customXml/item20.xml><?xml version="1.0" encoding="utf-8"?>
-<Control xmlns="http://schemas.microsoft.com/VisualStudio/2011/storyboarding/control">
-  <Id Name="fb22c541-ded0-47fa-8877-83a4c2d16227" Revision="1" Stencil="7276b9ef-3953-4dce-a89b-ed85f20b8b93" StencilVersion="1.0"/>
-</Control>
-</file>
-
-<file path=customXml/item21.xml><?xml version="1.0" encoding="utf-8"?>
-<Control xmlns="http://schemas.microsoft.com/VisualStudio/2011/storyboarding/control">
-  <Id Name="a53d73d2-368b-429e-b817-1324eec1382c" Revision="1" Stencil="7276b9ef-3953-4dce-a89b-ed85f20b8b93" StencilVersion="1.0"/>
-</Control>
-</file>
-
-<file path=customXml/item22.xml><?xml version="1.0" encoding="utf-8"?>
+<file path=customXml/item16.xml><?xml version="1.0" encoding="utf-8"?>
 <p:properties xmlns:p="http://schemas.microsoft.com/office/2006/metadata/properties" xmlns:xsi="http://www.w3.org/2001/XMLSchema-instance" xmlns:pc="http://schemas.microsoft.com/office/infopath/2007/PartnerControls">
   <documentManagement>
     <SharedWithUsers xmlns="83cd2334-221a-48c3-9034-bfd1542dfe28">
@@ -47716,7 +48732,46 @@
 </p:properties>
 </file>
 
-<file path=customXml/item23.xml><?xml version="1.0" encoding="utf-8"?>
+<file path=customXml/item17.xml><?xml version="1.0" encoding="utf-8"?>
+<?mso-contentType ?>
+<FormTemplates xmlns="http://schemas.microsoft.com/sharepoint/v3/contenttype/forms">
+  <Display>DocumentLibraryForm</Display>
+  <Edit>DocumentLibraryForm</Edit>
+  <New>DocumentLibraryForm</New>
+</FormTemplates>
+</file>
+
+<file path=customXml/item18.xml><?xml version="1.0" encoding="utf-8"?>
+<Control xmlns="http://schemas.microsoft.com/VisualStudio/2011/storyboarding/control">
+  <Id Name="369f9055-6b6c-48b9-9320-5df2d46c430a" Revision="1" Stencil="7276b9ef-3953-4dce-a89b-ed85f20b8b93" StencilVersion="1.0"/>
+</Control>
+</file>
+
+<file path=customXml/item19.xml><?xml version="1.0" encoding="utf-8"?>
+<Control xmlns="http://schemas.microsoft.com/VisualStudio/2011/storyboarding/control">
+  <Id Name="a2191c86-fc50-4add-948c-129f6b5a88d8" Revision="1" Stencil="7276b9ef-3953-4dce-a89b-ed85f20b8b93" StencilVersion="1.0"/>
+</Control>
+</file>
+
+<file path=customXml/item2.xml><?xml version="1.0" encoding="utf-8"?>
+<?mso-contentType ?>
+<FormTemplates xmlns="http://schemas.microsoft.com/sharepoint/v3/contenttype/forms">
+  <Display>DocumentLibraryForm</Display>
+  <Edit>DocumentLibraryForm</Edit>
+  <New>DocumentLibraryForm</New>
+</FormTemplates>
+</file>
+
+<file path=customXml/item20.xml><?xml version="1.0" encoding="utf-8"?>
+<?mso-contentType ?>
+<FormTemplates xmlns="http://schemas.microsoft.com/sharepoint/v3/contenttype/forms">
+  <Display>DocumentLibraryForm</Display>
+  <Edit>DocumentLibraryForm</Edit>
+  <New>DocumentLibraryForm</New>
+</FormTemplates>
+</file>
+
+<file path=customXml/item21.xml><?xml version="1.0" encoding="utf-8"?>
 <p:properties xmlns:p="http://schemas.microsoft.com/office/2006/metadata/properties" xmlns:xsi="http://www.w3.org/2001/XMLSchema-instance" xmlns:pc="http://schemas.microsoft.com/office/infopath/2007/PartnerControls">
   <documentManagement>
     <SharedWithUsers xmlns="83cd2334-221a-48c3-9034-bfd1542dfe28">
@@ -47740,6 +48795,21 @@
 </p:properties>
 </file>
 
+<file path=customXml/item22.xml><?xml version="1.0" encoding="utf-8"?>
+<?mso-contentType ?>
+<FormTemplates xmlns="http://schemas.microsoft.com/sharepoint/v3/contenttype/forms">
+  <Display>DocumentLibraryForm</Display>
+  <Edit>DocumentLibraryForm</Edit>
+  <New>DocumentLibraryForm</New>
+</FormTemplates>
+</file>
+
+<file path=customXml/item23.xml><?xml version="1.0" encoding="utf-8"?>
+<Control xmlns="http://schemas.microsoft.com/VisualStudio/2011/storyboarding/control">
+  <Id Name="369f9055-6b6c-48b9-9320-5df2d46c430a" Revision="1" Stencil="7276b9ef-3953-4dce-a89b-ed85f20b8b93" StencilVersion="1.0"/>
+</Control>
+</file>
+
 <file path=customXml/item24.xml><?xml version="1.0" encoding="utf-8"?>
 <Control xmlns="http://schemas.microsoft.com/VisualStudio/2011/storyboarding/control">
   <Id Name="a53d73d2-368b-429e-b817-1324eec1382c" Revision="1" Stencil="7276b9ef-3953-4dce-a89b-ed85f20b8b93" StencilVersion="1.0"/>
@@ -47748,11 +48818,17 @@
 
 <file path=customXml/item25.xml><?xml version="1.0" encoding="utf-8"?>
 <Control xmlns="http://schemas.microsoft.com/VisualStudio/2011/storyboarding/control">
+  <Id Name="d69996e1-3d61-4686-9b63-f1b855c596ab" Revision="1" Stencil="7276b9ef-3953-4dce-a89b-ed85f20b8b93" StencilVersion="1.0"/>
+</Control>
+</file>
+
+<file path=customXml/item26.xml><?xml version="1.0" encoding="utf-8"?>
+<Control xmlns="http://schemas.microsoft.com/VisualStudio/2011/storyboarding/control">
   <Id Name="a53d73d2-368b-429e-b817-1324eec1382c" Revision="1" Stencil="7276b9ef-3953-4dce-a89b-ed85f20b8b93" StencilVersion="1.0"/>
 </Control>
 </file>
 
-<file path=customXml/item26.xml><?xml version="1.0" encoding="utf-8"?>
+<file path=customXml/item27.xml><?xml version="1.0" encoding="utf-8"?>
 <p:properties xmlns:p="http://schemas.microsoft.com/office/2006/metadata/properties" xmlns:xsi="http://www.w3.org/2001/XMLSchema-instance" xmlns:pc="http://schemas.microsoft.com/office/infopath/2007/PartnerControls">
   <documentManagement>
     <SharedWithUsers xmlns="83cd2334-221a-48c3-9034-bfd1542dfe28">
@@ -47776,7 +48852,7 @@
 </p:properties>
 </file>
 
-<file path=customXml/item27.xml><?xml version="1.0" encoding="utf-8"?>
+<file path=customXml/item28.xml><?xml version="1.0" encoding="utf-8"?>
 <?mso-contentType ?>
 <FormTemplates xmlns="http://schemas.microsoft.com/sharepoint/v3/contenttype/forms">
   <Display>DocumentLibraryForm</Display>
@@ -47785,43 +48861,13 @@
 </FormTemplates>
 </file>
 
-<file path=customXml/item28.xml><?xml version="1.0" encoding="utf-8"?>
-<Control xmlns="http://schemas.microsoft.com/VisualStudio/2011/storyboarding/control">
-  <Id Name="a2191c86-fc50-4add-948c-129f6b5a88d8" Revision="1" Stencil="7276b9ef-3953-4dce-a89b-ed85f20b8b93" StencilVersion="1.0"/>
-</Control>
-</file>
-
 <file path=customXml/item29.xml><?xml version="1.0" encoding="utf-8"?>
-<Control xmlns="http://schemas.microsoft.com/VisualStudio/2011/storyboarding/control">
-  <Id Name="d69996e1-3d61-4686-9b63-f1b855c596ab" Revision="1" Stencil="7276b9ef-3953-4dce-a89b-ed85f20b8b93" StencilVersion="1.0"/>
-</Control>
-</file>
-
-<file path=customXml/item3.xml><?xml version="1.0" encoding="utf-8"?>
 <Control xmlns="http://schemas.microsoft.com/VisualStudio/2011/storyboarding/control">
   <Id Name="369f9055-6b6c-48b9-9320-5df2d46c430a" Revision="1" Stencil="7276b9ef-3953-4dce-a89b-ed85f20b8b93" StencilVersion="1.0"/>
 </Control>
 </file>
 
-<file path=customXml/item30.xml><?xml version="1.0" encoding="utf-8"?>
-<Control xmlns="http://schemas.microsoft.com/VisualStudio/2011/storyboarding/control">
-  <Id Name="369f9055-6b6c-48b9-9320-5df2d46c430a" Revision="1" Stencil="7276b9ef-3953-4dce-a89b-ed85f20b8b93" StencilVersion="1.0"/>
-</Control>
-</file>
-
-<file path=customXml/item31.xml><?xml version="1.0" encoding="utf-8"?>
-<Control xmlns="http://schemas.microsoft.com/VisualStudio/2011/storyboarding/control">
-  <Id Name="a2191c86-fc50-4add-948c-129f6b5a88d8" Revision="1" Stencil="7276b9ef-3953-4dce-a89b-ed85f20b8b93" StencilVersion="1.0"/>
-</Control>
-</file>
-
-<file path=customXml/item32.xml><?xml version="1.0" encoding="utf-8"?>
-<Control xmlns="http://schemas.microsoft.com/VisualStudio/2011/storyboarding/control">
-  <Id Name="a2191c86-fc50-4add-948c-129f6b5a88d8" Revision="1" Stencil="7276b9ef-3953-4dce-a89b-ed85f20b8b93" StencilVersion="1.0"/>
-</Control>
-</file>
-
-<file path=customXml/item33.xml><?xml version="1.0" encoding="utf-8"?>
+<file path=customXml/item3.xml><?xml version="1.0" encoding="utf-8"?>
 <p:properties xmlns:p="http://schemas.microsoft.com/office/2006/metadata/properties" xmlns:xsi="http://www.w3.org/2001/XMLSchema-instance" xmlns:pc="http://schemas.microsoft.com/office/infopath/2007/PartnerControls">
   <documentManagement>
     <SharedWithUsers xmlns="83cd2334-221a-48c3-9034-bfd1542dfe28">
@@ -47845,97 +48891,13 @@
 </p:properties>
 </file>
 
-<file path=customXml/item34.xml><?xml version="1.0" encoding="utf-8"?>
+<file path=customXml/item30.xml><?xml version="1.0" encoding="utf-8"?>
 <Control xmlns="http://schemas.microsoft.com/VisualStudio/2011/storyboarding/control">
-  <Id Name="d69996e1-3d61-4686-9b63-f1b855c596ab" Revision="1" Stencil="7276b9ef-3953-4dce-a89b-ed85f20b8b93" StencilVersion="1.0"/>
+  <Id Name="fb22c541-ded0-47fa-8877-83a4c2d16227" Revision="1" Stencil="7276b9ef-3953-4dce-a89b-ed85f20b8b93" StencilVersion="1.0"/>
 </Control>
 </file>
 
-<file path=customXml/item35.xml><?xml version="1.0" encoding="utf-8"?>
-<Control xmlns="http://schemas.microsoft.com/VisualStudio/2011/storyboarding/control">
-  <Id Name="a2191c86-fc50-4add-948c-129f6b5a88d8" Revision="1" Stencil="7276b9ef-3953-4dce-a89b-ed85f20b8b93" StencilVersion="1.0"/>
-</Control>
-</file>
-
-<file path=customXml/item36.xml><?xml version="1.0" encoding="utf-8"?>
-<?mso-contentType ?>
-<FormTemplates xmlns="http://schemas.microsoft.com/sharepoint/v3/contenttype/forms">
-  <Display>DocumentLibraryForm</Display>
-  <Edit>DocumentLibraryForm</Edit>
-  <New>DocumentLibraryForm</New>
-</FormTemplates>
-</file>
-
-<file path=customXml/item37.xml><?xml version="1.0" encoding="utf-8"?>
-<p:properties xmlns:p="http://schemas.microsoft.com/office/2006/metadata/properties" xmlns:xsi="http://www.w3.org/2001/XMLSchema-instance" xmlns:pc="http://schemas.microsoft.com/office/infopath/2007/PartnerControls">
-  <documentManagement>
-    <SharedWithUsers xmlns="83cd2334-221a-48c3-9034-bfd1542dfe28">
-      <UserInfo>
-        <DisplayName>Gilad Turbahn</DisplayName>
-        <AccountId>511</AccountId>
-        <AccountType/>
-      </UserInfo>
-      <UserInfo>
-        <DisplayName>Keith Boyd</DisplayName>
-        <AccountId>993</AccountId>
-        <AccountType/>
-      </UserInfo>
-      <UserInfo>
-        <DisplayName>Christopher Harrison</DisplayName>
-        <AccountId>1176</AccountId>
-        <AccountType/>
-      </UserInfo>
-    </SharedWithUsers>
-  </documentManagement>
-</p:properties>
-</file>
-
-<file path=customXml/item38.xml><?xml version="1.0" encoding="utf-8"?>
-<?mso-contentType ?>
-<FormTemplates xmlns="http://schemas.microsoft.com/sharepoint/v3/contenttype/forms">
-  <Display>DocumentLibraryForm</Display>
-  <Edit>DocumentLibraryForm</Edit>
-  <New>DocumentLibraryForm</New>
-</FormTemplates>
-</file>
-
-<file path=customXml/item39.xml><?xml version="1.0" encoding="utf-8"?>
-<Control xmlns="http://schemas.microsoft.com/VisualStudio/2011/storyboarding/control">
-  <Id Name="a53d73d2-368b-429e-b817-1324eec1382c" Revision="1" Stencil="7276b9ef-3953-4dce-a89b-ed85f20b8b93" StencilVersion="1.0"/>
-</Control>
-</file>
-
-<file path=customXml/item4.xml><?xml version="1.0" encoding="utf-8"?>
-<p:properties xmlns:p="http://schemas.microsoft.com/office/2006/metadata/properties" xmlns:xsi="http://www.w3.org/2001/XMLSchema-instance" xmlns:pc="http://schemas.microsoft.com/office/infopath/2007/PartnerControls">
-  <documentManagement>
-    <SharedWithUsers xmlns="83cd2334-221a-48c3-9034-bfd1542dfe28">
-      <UserInfo>
-        <DisplayName>Gilad Turbahn</DisplayName>
-        <AccountId>511</AccountId>
-        <AccountType/>
-      </UserInfo>
-      <UserInfo>
-        <DisplayName>Keith Boyd</DisplayName>
-        <AccountId>993</AccountId>
-        <AccountType/>
-      </UserInfo>
-      <UserInfo>
-        <DisplayName>Christopher Harrison</DisplayName>
-        <AccountId>1176</AccountId>
-        <AccountType/>
-      </UserInfo>
-    </SharedWithUsers>
-  </documentManagement>
-</p:properties>
-</file>
-
-<file path=customXml/item40.xml><?xml version="1.0" encoding="utf-8"?>
-<Control xmlns="http://schemas.microsoft.com/VisualStudio/2011/storyboarding/control">
-  <Id Name="d69996e1-3d61-4686-9b63-f1b855c596ab" Revision="1" Stencil="7276b9ef-3953-4dce-a89b-ed85f20b8b93" StencilVersion="1.0"/>
-</Control>
-</file>
-
-<file path=customXml/item41.xml><?xml version="1.0" encoding="utf-8"?>
+<file path=customXml/item31.xml><?xml version="1.0" encoding="utf-8"?>
 <ct:contentTypeSchema xmlns:ct="http://schemas.microsoft.com/office/2006/metadata/contentType" xmlns:ma="http://schemas.microsoft.com/office/2006/metadata/properties/metaAttributes" ct:_="" ma:_="" ma:contentTypeName="Document" ma:contentTypeID="0x010100674EDBEC711BD14FBA6FF5C10FEFEAC7" ma:contentTypeVersion="2" ma:contentTypeDescription="Create a new document." ma:contentTypeScope="" ma:versionID="2439c5e21841780d4f192983b535a097">
   <xsd:schema xmlns:xsd="http://www.w3.org/2001/XMLSchema" xmlns:xs="http://www.w3.org/2001/XMLSchema" xmlns:p="http://schemas.microsoft.com/office/2006/metadata/properties" xmlns:ns2="83cd2334-221a-48c3-9034-bfd1542dfe28" targetNamespace="http://schemas.microsoft.com/office/2006/metadata/properties" ma:root="true" ma:fieldsID="2bca9163d8d0b233c3086236a9289b04" ns2:_="">
     <xsd:import namespace="83cd2334-221a-48c3-9034-bfd1542dfe28"/>
@@ -48083,13 +49045,73 @@
 </ct:contentTypeSchema>
 </file>
 
-<file path=customXml/item42.xml><?xml version="1.0" encoding="utf-8"?>
+<file path=customXml/item32.xml><?xml version="1.0" encoding="utf-8"?>
+<Control xmlns="http://schemas.microsoft.com/VisualStudio/2011/storyboarding/control">
+  <Id Name="fb22c541-ded0-47fa-8877-83a4c2d16227" Revision="1" Stencil="7276b9ef-3953-4dce-a89b-ed85f20b8b93" StencilVersion="1.0"/>
+</Control>
+</file>
+
+<file path=customXml/item33.xml><?xml version="1.0" encoding="utf-8"?>
 <Control xmlns="http://schemas.microsoft.com/VisualStudio/2011/storyboarding/control">
   <Id Name="369f9055-6b6c-48b9-9320-5df2d46c430a" Revision="1" Stencil="7276b9ef-3953-4dce-a89b-ed85f20b8b93" StencilVersion="1.0"/>
 </Control>
 </file>
 
-<file path=customXml/item43.xml><?xml version="1.0" encoding="utf-8"?>
+<file path=customXml/item34.xml><?xml version="1.0" encoding="utf-8"?>
+<p:properties xmlns:p="http://schemas.microsoft.com/office/2006/metadata/properties" xmlns:xsi="http://www.w3.org/2001/XMLSchema-instance" xmlns:pc="http://schemas.microsoft.com/office/infopath/2007/PartnerControls">
+  <documentManagement>
+    <SharedWithUsers xmlns="83cd2334-221a-48c3-9034-bfd1542dfe28">
+      <UserInfo>
+        <DisplayName>Gilad Turbahn</DisplayName>
+        <AccountId>511</AccountId>
+        <AccountType/>
+      </UserInfo>
+      <UserInfo>
+        <DisplayName>Keith Boyd</DisplayName>
+        <AccountId>993</AccountId>
+        <AccountType/>
+      </UserInfo>
+      <UserInfo>
+        <DisplayName>Christopher Harrison</DisplayName>
+        <AccountId>1176</AccountId>
+        <AccountType/>
+      </UserInfo>
+    </SharedWithUsers>
+  </documentManagement>
+</p:properties>
+</file>
+
+<file path=customXml/item35.xml><?xml version="1.0" encoding="utf-8"?>
+<p:properties xmlns:p="http://schemas.microsoft.com/office/2006/metadata/properties" xmlns:xsi="http://www.w3.org/2001/XMLSchema-instance" xmlns:pc="http://schemas.microsoft.com/office/infopath/2007/PartnerControls">
+  <documentManagement>
+    <SharedWithUsers xmlns="83cd2334-221a-48c3-9034-bfd1542dfe28">
+      <UserInfo>
+        <DisplayName>Gilad Turbahn</DisplayName>
+        <AccountId>511</AccountId>
+        <AccountType/>
+      </UserInfo>
+      <UserInfo>
+        <DisplayName>Keith Boyd</DisplayName>
+        <AccountId>993</AccountId>
+        <AccountType/>
+      </UserInfo>
+      <UserInfo>
+        <DisplayName>Christopher Harrison</DisplayName>
+        <AccountId>1176</AccountId>
+        <AccountType/>
+      </UserInfo>
+    </SharedWithUsers>
+  </documentManagement>
+</p:properties>
+</file>
+
+<file path=customXml/item36.xml><?xml version="1.0" encoding="utf-8"?>
+<Control xmlns="http://schemas.microsoft.com/VisualStudio/2011/storyboarding/control">
+  <Id Name="a2191c86-fc50-4add-948c-129f6b5a88d8" Revision="1" Stencil="7276b9ef-3953-4dce-a89b-ed85f20b8b93" StencilVersion="1.0"/>
+</Control>
+</file>
+
+<file path=customXml/item37.xml><?xml version="1.0" encoding="utf-8"?>
 <?mso-contentType ?>
 <FormTemplates xmlns="http://schemas.microsoft.com/sharepoint/v3/contenttype/forms">
   <Display>DocumentLibraryForm</Display>
@@ -48098,7 +49120,31 @@
 </FormTemplates>
 </file>
 
-<file path=customXml/item44.xml><?xml version="1.0" encoding="utf-8"?>
+<file path=customXml/item38.xml><?xml version="1.0" encoding="utf-8"?>
+<Control xmlns="http://schemas.microsoft.com/VisualStudio/2011/storyboarding/control">
+  <Id Name="fb22c541-ded0-47fa-8877-83a4c2d16227" Revision="1" Stencil="7276b9ef-3953-4dce-a89b-ed85f20b8b93" StencilVersion="1.0"/>
+</Control>
+</file>
+
+<file path=customXml/item39.xml><?xml version="1.0" encoding="utf-8"?>
+<Control xmlns="http://schemas.microsoft.com/VisualStudio/2011/storyboarding/control">
+  <Id Name="fb22c541-ded0-47fa-8877-83a4c2d16227" Revision="1" Stencil="7276b9ef-3953-4dce-a89b-ed85f20b8b93" StencilVersion="1.0"/>
+</Control>
+</file>
+
+<file path=customXml/item4.xml><?xml version="1.0" encoding="utf-8"?>
+<Control xmlns="http://schemas.microsoft.com/VisualStudio/2011/storyboarding/control">
+  <Id Name="fb22c541-ded0-47fa-8877-83a4c2d16227" Revision="1" Stencil="7276b9ef-3953-4dce-a89b-ed85f20b8b93" StencilVersion="1.0"/>
+</Control>
+</file>
+
+<file path=customXml/item40.xml><?xml version="1.0" encoding="utf-8"?>
+<Control xmlns="http://schemas.microsoft.com/VisualStudio/2011/storyboarding/control">
+  <Id Name="a2191c86-fc50-4add-948c-129f6b5a88d8" Revision="1" Stencil="7276b9ef-3953-4dce-a89b-ed85f20b8b93" StencilVersion="1.0"/>
+</Control>
+</file>
+
+<file path=customXml/item41.xml><?xml version="1.0" encoding="utf-8"?>
 <?mso-contentType ?>
 <FormTemplates xmlns="http://schemas.microsoft.com/sharepoint/v3/contenttype/forms">
   <Display>DocumentLibraryForm</Display>
@@ -48107,25 +49153,61 @@
 </FormTemplates>
 </file>
 
-<file path=customXml/item45.xml><?xml version="1.0" encoding="utf-8"?>
+<file path=customXml/item42.xml><?xml version="1.0" encoding="utf-8"?>
+<p:properties xmlns:p="http://schemas.microsoft.com/office/2006/metadata/properties" xmlns:xsi="http://www.w3.org/2001/XMLSchema-instance" xmlns:pc="http://schemas.microsoft.com/office/infopath/2007/PartnerControls">
+  <documentManagement>
+    <SharedWithUsers xmlns="83cd2334-221a-48c3-9034-bfd1542dfe28">
+      <UserInfo>
+        <DisplayName>Gilad Turbahn</DisplayName>
+        <AccountId>511</AccountId>
+        <AccountType/>
+      </UserInfo>
+      <UserInfo>
+        <DisplayName>Keith Boyd</DisplayName>
+        <AccountId>993</AccountId>
+        <AccountType/>
+      </UserInfo>
+      <UserInfo>
+        <DisplayName>Christopher Harrison</DisplayName>
+        <AccountId>1176</AccountId>
+        <AccountType/>
+      </UserInfo>
+    </SharedWithUsers>
+  </documentManagement>
+</p:properties>
+</file>
+
+<file path=customXml/item43.xml><?xml version="1.0" encoding="utf-8"?>
 <Control xmlns="http://schemas.microsoft.com/VisualStudio/2011/storyboarding/control">
-  <Id Name="369f9055-6b6c-48b9-9320-5df2d46c430a" Revision="1" Stencil="7276b9ef-3953-4dce-a89b-ed85f20b8b93" StencilVersion="1.0"/>
+  <Id Name="d69996e1-3d61-4686-9b63-f1b855c596ab" Revision="1" Stencil="7276b9ef-3953-4dce-a89b-ed85f20b8b93" StencilVersion="1.0"/>
 </Control>
 </file>
 
-<file path=customXml/item46.xml><?xml version="1.0" encoding="utf-8"?>
+<file path=customXml/item44.xml><?xml version="1.0" encoding="utf-8"?>
 <Control xmlns="http://schemas.microsoft.com/VisualStudio/2011/storyboarding/control">
-  <Id Name="369f9055-6b6c-48b9-9320-5df2d46c430a" Revision="1" Stencil="7276b9ef-3953-4dce-a89b-ed85f20b8b93" StencilVersion="1.0"/>
+  <Id Name="a2191c86-fc50-4add-948c-129f6b5a88d8" Revision="1" Stencil="7276b9ef-3953-4dce-a89b-ed85f20b8b93" StencilVersion="1.0"/>
 </Control>
 </file>
 
-<file path=customXml/item47.xml><?xml version="1.0" encoding="utf-8"?>
+<file path=customXml/item45.xml><?xml version="1.0" encoding="utf-8"?>
 <?mso-contentType ?>
 <FormTemplates xmlns="http://schemas.microsoft.com/sharepoint/v3/contenttype/forms">
   <Display>DocumentLibraryForm</Display>
   <Edit>DocumentLibraryForm</Edit>
   <New>DocumentLibraryForm</New>
 </FormTemplates>
+</file>
+
+<file path=customXml/item46.xml><?xml version="1.0" encoding="utf-8"?>
+<Control xmlns="http://schemas.microsoft.com/VisualStudio/2011/storyboarding/control">
+  <Id Name="a53d73d2-368b-429e-b817-1324eec1382c" Revision="1" Stencil="7276b9ef-3953-4dce-a89b-ed85f20b8b93" StencilVersion="1.0"/>
+</Control>
+</file>
+
+<file path=customXml/item47.xml><?xml version="1.0" encoding="utf-8"?>
+<Control xmlns="http://schemas.microsoft.com/VisualStudio/2011/storyboarding/control">
+  <Id Name="d69996e1-3d61-4686-9b63-f1b855c596ab" Revision="1" Stencil="7276b9ef-3953-4dce-a89b-ed85f20b8b93" StencilVersion="1.0"/>
+</Control>
 </file>
 
 <file path=customXml/item48.xml><?xml version="1.0" encoding="utf-8"?>
@@ -48154,63 +49236,42 @@
 
 <file path=customXml/item49.xml><?xml version="1.0" encoding="utf-8"?>
 <Control xmlns="http://schemas.microsoft.com/VisualStudio/2011/storyboarding/control">
-  <Id Name="fb22c541-ded0-47fa-8877-83a4c2d16227" Revision="1" Stencil="7276b9ef-3953-4dce-a89b-ed85f20b8b93" StencilVersion="1.0"/>
+  <Id Name="a53d73d2-368b-429e-b817-1324eec1382c" Revision="1" Stencil="7276b9ef-3953-4dce-a89b-ed85f20b8b93" StencilVersion="1.0"/>
 </Control>
 </file>
 
 <file path=customXml/item5.xml><?xml version="1.0" encoding="utf-8"?>
 <Control xmlns="http://schemas.microsoft.com/VisualStudio/2011/storyboarding/control">
-  <Id Name="d69996e1-3d61-4686-9b63-f1b855c596ab" Revision="1" Stencil="7276b9ef-3953-4dce-a89b-ed85f20b8b93" StencilVersion="1.0"/>
+  <Id Name="a53d73d2-368b-429e-b817-1324eec1382c" Revision="1" Stencil="7276b9ef-3953-4dce-a89b-ed85f20b8b93" StencilVersion="1.0"/>
 </Control>
 </file>
 
 <file path=customXml/item6.xml><?xml version="1.0" encoding="utf-8"?>
 <Control xmlns="http://schemas.microsoft.com/VisualStudio/2011/storyboarding/control">
-  <Id Name="369f9055-6b6c-48b9-9320-5df2d46c430a" Revision="1" Stencil="7276b9ef-3953-4dce-a89b-ed85f20b8b93" StencilVersion="1.0"/>
+  <Id Name="d69996e1-3d61-4686-9b63-f1b855c596ab" Revision="1" Stencil="7276b9ef-3953-4dce-a89b-ed85f20b8b93" StencilVersion="1.0"/>
 </Control>
 </file>
 
 <file path=customXml/item7.xml><?xml version="1.0" encoding="utf-8"?>
-<p:properties xmlns:p="http://schemas.microsoft.com/office/2006/metadata/properties" xmlns:xsi="http://www.w3.org/2001/XMLSchema-instance" xmlns:pc="http://schemas.microsoft.com/office/infopath/2007/PartnerControls">
-  <documentManagement>
-    <SharedWithUsers xmlns="83cd2334-221a-48c3-9034-bfd1542dfe28">
-      <UserInfo>
-        <DisplayName>Gilad Turbahn</DisplayName>
-        <AccountId>511</AccountId>
-        <AccountType/>
-      </UserInfo>
-      <UserInfo>
-        <DisplayName>Keith Boyd</DisplayName>
-        <AccountId>993</AccountId>
-        <AccountType/>
-      </UserInfo>
-      <UserInfo>
-        <DisplayName>Christopher Harrison</DisplayName>
-        <AccountId>1176</AccountId>
-        <AccountType/>
-      </UserInfo>
-    </SharedWithUsers>
-  </documentManagement>
-</p:properties>
+<Control xmlns="http://schemas.microsoft.com/VisualStudio/2011/storyboarding/control">
+  <Id Name="fb22c541-ded0-47fa-8877-83a4c2d16227" Revision="1" Stencil="7276b9ef-3953-4dce-a89b-ed85f20b8b93" StencilVersion="1.0"/>
+</Control>
 </file>
 
 <file path=customXml/item8.xml><?xml version="1.0" encoding="utf-8"?>
-<?mso-contentType ?>
-<FormTemplates xmlns="http://schemas.microsoft.com/sharepoint/v3/contenttype/forms">
-  <Display>DocumentLibraryForm</Display>
-  <Edit>DocumentLibraryForm</Edit>
-  <New>DocumentLibraryForm</New>
-</FormTemplates>
+<Control xmlns="http://schemas.microsoft.com/VisualStudio/2011/storyboarding/control">
+  <Id Name="a53d73d2-368b-429e-b817-1324eec1382c" Revision="1" Stencil="7276b9ef-3953-4dce-a89b-ed85f20b8b93" StencilVersion="1.0"/>
+</Control>
 </file>
 
 <file path=customXml/item9.xml><?xml version="1.0" encoding="utf-8"?>
 <Control xmlns="http://schemas.microsoft.com/VisualStudio/2011/storyboarding/control">
-  <Id Name="d69996e1-3d61-4686-9b63-f1b855c596ab" Revision="1" Stencil="7276b9ef-3953-4dce-a89b-ed85f20b8b93" StencilVersion="1.0"/>
+  <Id Name="a2191c86-fc50-4add-948c-129f6b5a88d8" Revision="1" Stencil="7276b9ef-3953-4dce-a89b-ed85f20b8b93" StencilVersion="1.0"/>
 </Control>
 </file>
 
 <file path=customXml/itemProps1.xml><?xml version="1.0" encoding="utf-8"?>
-<ds:datastoreItem xmlns:ds="http://schemas.openxmlformats.org/officeDocument/2006/customXml" ds:itemID="{B5105A87-47B6-44F6-97FD-4619C0556604}">
+<ds:datastoreItem xmlns:ds="http://schemas.openxmlformats.org/officeDocument/2006/customXml" ds:itemID="{82DB428A-B8F8-483F-8276-095629A8ECDB}">
   <ds:schemaRefs>
     <ds:schemaRef ds:uri="http://schemas.microsoft.com/VisualStudio/2011/storyboarding/control"/>
   </ds:schemaRefs>
@@ -48218,47 +49279,7 @@
 </file>
 
 <file path=customXml/itemProps10.xml><?xml version="1.0" encoding="utf-8"?>
-<ds:datastoreItem xmlns:ds="http://schemas.openxmlformats.org/officeDocument/2006/customXml" ds:itemID="{376216F9-AF6B-4844-AE8C-B9F953F916AB}">
-  <ds:schemaRefs>
-    <ds:schemaRef ds:uri="http://schemas.microsoft.com/VisualStudio/2011/storyboarding/control"/>
-  </ds:schemaRefs>
-</ds:datastoreItem>
-</file>
-
-<file path=customXml/itemProps11.xml><?xml version="1.0" encoding="utf-8"?>
-<ds:datastoreItem xmlns:ds="http://schemas.openxmlformats.org/officeDocument/2006/customXml" ds:itemID="{432851C6-BC05-4673-B853-6D08AB80CDC4}">
-  <ds:schemaRefs>
-    <ds:schemaRef ds:uri="http://schemas.microsoft.com/VisualStudio/2011/storyboarding/control"/>
-  </ds:schemaRefs>
-</ds:datastoreItem>
-</file>
-
-<file path=customXml/itemProps12.xml><?xml version="1.0" encoding="utf-8"?>
-<ds:datastoreItem xmlns:ds="http://schemas.openxmlformats.org/officeDocument/2006/customXml" ds:itemID="{6FB9D450-4C47-4A44-8C0D-C78D8A54C46F}">
-  <ds:schemaRefs>
-    <ds:schemaRef ds:uri="http://schemas.microsoft.com/VisualStudio/2011/storyboarding/control"/>
-  </ds:schemaRefs>
-</ds:datastoreItem>
-</file>
-
-<file path=customXml/itemProps13.xml><?xml version="1.0" encoding="utf-8"?>
-<ds:datastoreItem xmlns:ds="http://schemas.openxmlformats.org/officeDocument/2006/customXml" ds:itemID="{D4B5F268-5930-44CD-BDF1-D0A04D4BBC1C}">
-  <ds:schemaRefs>
-    <ds:schemaRef ds:uri="http://schemas.microsoft.com/VisualStudio/2011/storyboarding/control"/>
-  </ds:schemaRefs>
-</ds:datastoreItem>
-</file>
-
-<file path=customXml/itemProps14.xml><?xml version="1.0" encoding="utf-8"?>
-<ds:datastoreItem xmlns:ds="http://schemas.openxmlformats.org/officeDocument/2006/customXml" ds:itemID="{1EF25EC2-965B-4491-9691-6B806C9E3B8B}">
-  <ds:schemaRefs>
-    <ds:schemaRef ds:uri="http://schemas.microsoft.com/sharepoint/v3/contenttype/forms"/>
-  </ds:schemaRefs>
-</ds:datastoreItem>
-</file>
-
-<file path=customXml/itemProps15.xml><?xml version="1.0" encoding="utf-8"?>
-<ds:datastoreItem xmlns:ds="http://schemas.openxmlformats.org/officeDocument/2006/customXml" ds:itemID="{E692D73E-1478-4790-BEEC-C5C534998F40}">
+<ds:datastoreItem xmlns:ds="http://schemas.openxmlformats.org/officeDocument/2006/customXml" ds:itemID="{1C76383C-FD09-474B-94B3-126FB1A7D094}">
   <ds:schemaRefs>
     <ds:schemaRef ds:uri="http://schemas.microsoft.com/office/2006/metadata/properties"/>
     <ds:schemaRef ds:uri="http://schemas.microsoft.com/office/infopath/2007/PartnerControls"/>
@@ -48267,31 +49288,31 @@
 </ds:datastoreItem>
 </file>
 
-<file path=customXml/itemProps16.xml><?xml version="1.0" encoding="utf-8"?>
-<ds:datastoreItem xmlns:ds="http://schemas.openxmlformats.org/officeDocument/2006/customXml" ds:itemID="{21F6B647-976A-41D0-B760-9DF9DFC6AE3C}">
+<file path=customXml/itemProps11.xml><?xml version="1.0" encoding="utf-8"?>
+<ds:datastoreItem xmlns:ds="http://schemas.openxmlformats.org/officeDocument/2006/customXml" ds:itemID="{C0F92A87-A216-45A9-B9C0-0515663D35BF}">
   <ds:schemaRefs>
     <ds:schemaRef ds:uri="http://schemas.microsoft.com/VisualStudio/2011/storyboarding/control"/>
   </ds:schemaRefs>
 </ds:datastoreItem>
 </file>
 
-<file path=customXml/itemProps17.xml><?xml version="1.0" encoding="utf-8"?>
-<ds:datastoreItem xmlns:ds="http://schemas.openxmlformats.org/officeDocument/2006/customXml" ds:itemID="{0282FB20-2D4C-459D-8468-77D1D3C6925D}">
+<file path=customXml/itemProps12.xml><?xml version="1.0" encoding="utf-8"?>
+<ds:datastoreItem xmlns:ds="http://schemas.openxmlformats.org/officeDocument/2006/customXml" ds:itemID="{7959CC6A-F423-4783-B968-3BCC86A7394E}">
   <ds:schemaRefs>
     <ds:schemaRef ds:uri="http://schemas.microsoft.com/VisualStudio/2011/storyboarding/control"/>
   </ds:schemaRefs>
 </ds:datastoreItem>
 </file>
 
-<file path=customXml/itemProps18.xml><?xml version="1.0" encoding="utf-8"?>
-<ds:datastoreItem xmlns:ds="http://schemas.openxmlformats.org/officeDocument/2006/customXml" ds:itemID="{479863CC-31E1-4D69-82E8-783AC6DA0219}">
+<file path=customXml/itemProps13.xml><?xml version="1.0" encoding="utf-8"?>
+<ds:datastoreItem xmlns:ds="http://schemas.openxmlformats.org/officeDocument/2006/customXml" ds:itemID="{67213E6F-7B96-4222-888B-63710B06D885}">
   <ds:schemaRefs>
-    <ds:schemaRef ds:uri="http://schemas.microsoft.com/sharepoint/v3/contenttype/forms"/>
+    <ds:schemaRef ds:uri="http://schemas.microsoft.com/VisualStudio/2011/storyboarding/control"/>
   </ds:schemaRefs>
 </ds:datastoreItem>
 </file>
 
-<file path=customXml/itemProps19.xml><?xml version="1.0" encoding="utf-8"?>
+<file path=customXml/itemProps14.xml><?xml version="1.0" encoding="utf-8"?>
 <ds:datastoreItem xmlns:ds="http://schemas.openxmlformats.org/officeDocument/2006/customXml" ds:itemID="{0B54C583-7BAB-4080-8093-C5F84F5A225A}">
   <ds:schemaRefs>
     <ds:schemaRef ds:uri="http://schemas.microsoft.com/VisualStudio/2011/storyboarding/control"/>
@@ -48299,31 +49320,15 @@
 </ds:datastoreItem>
 </file>
 
-<file path=customXml/itemProps2.xml><?xml version="1.0" encoding="utf-8"?>
-<ds:datastoreItem xmlns:ds="http://schemas.openxmlformats.org/officeDocument/2006/customXml" ds:itemID="{D6FEE829-2115-45B4-8110-670FD454542B}">
+<file path=customXml/itemProps15.xml><?xml version="1.0" encoding="utf-8"?>
+<ds:datastoreItem xmlns:ds="http://schemas.openxmlformats.org/officeDocument/2006/customXml" ds:itemID="{1EF25EC2-965B-4491-9691-6B806C9E3B8B}">
   <ds:schemaRefs>
-    <ds:schemaRef ds:uri="http://schemas.microsoft.com/VisualStudio/2011/storyboarding/control"/>
+    <ds:schemaRef ds:uri="http://schemas.microsoft.com/sharepoint/v3/contenttype/forms"/>
   </ds:schemaRefs>
 </ds:datastoreItem>
 </file>
 
-<file path=customXml/itemProps20.xml><?xml version="1.0" encoding="utf-8"?>
-<ds:datastoreItem xmlns:ds="http://schemas.openxmlformats.org/officeDocument/2006/customXml" ds:itemID="{4C1B3C27-4803-4D72-A3F8-6668A3F0A24B}">
-  <ds:schemaRefs>
-    <ds:schemaRef ds:uri="http://schemas.microsoft.com/VisualStudio/2011/storyboarding/control"/>
-  </ds:schemaRefs>
-</ds:datastoreItem>
-</file>
-
-<file path=customXml/itemProps21.xml><?xml version="1.0" encoding="utf-8"?>
-<ds:datastoreItem xmlns:ds="http://schemas.openxmlformats.org/officeDocument/2006/customXml" ds:itemID="{F68D8396-E21C-4AFF-8FDD-70D00673D0EE}">
-  <ds:schemaRefs>
-    <ds:schemaRef ds:uri="http://schemas.microsoft.com/VisualStudio/2011/storyboarding/control"/>
-  </ds:schemaRefs>
-</ds:datastoreItem>
-</file>
-
-<file path=customXml/itemProps22.xml><?xml version="1.0" encoding="utf-8"?>
+<file path=customXml/itemProps16.xml><?xml version="1.0" encoding="utf-8"?>
 <ds:datastoreItem xmlns:ds="http://schemas.openxmlformats.org/officeDocument/2006/customXml" ds:itemID="{473A6A21-7521-4B81-9336-9B587BA12275}">
   <ds:schemaRefs>
     <ds:schemaRef ds:uri="http://schemas.microsoft.com/office/2006/metadata/properties"/>
@@ -48333,8 +49338,48 @@
 </ds:datastoreItem>
 </file>
 
-<file path=customXml/itemProps23.xml><?xml version="1.0" encoding="utf-8"?>
-<ds:datastoreItem xmlns:ds="http://schemas.openxmlformats.org/officeDocument/2006/customXml" ds:itemID="{92635D88-0993-4B04-96FB-0CD3C29A8A44}">
+<file path=customXml/itemProps17.xml><?xml version="1.0" encoding="utf-8"?>
+<ds:datastoreItem xmlns:ds="http://schemas.openxmlformats.org/officeDocument/2006/customXml" ds:itemID="{470353D1-3545-4BE2-A17C-548BF46AD9BC}">
+  <ds:schemaRefs>
+    <ds:schemaRef ds:uri="http://schemas.microsoft.com/sharepoint/v3/contenttype/forms"/>
+  </ds:schemaRefs>
+</ds:datastoreItem>
+</file>
+
+<file path=customXml/itemProps18.xml><?xml version="1.0" encoding="utf-8"?>
+<ds:datastoreItem xmlns:ds="http://schemas.openxmlformats.org/officeDocument/2006/customXml" ds:itemID="{38217AA1-CC95-49A9-B284-2ED4D347D7CA}">
+  <ds:schemaRefs>
+    <ds:schemaRef ds:uri="http://schemas.microsoft.com/VisualStudio/2011/storyboarding/control"/>
+  </ds:schemaRefs>
+</ds:datastoreItem>
+</file>
+
+<file path=customXml/itemProps19.xml><?xml version="1.0" encoding="utf-8"?>
+<ds:datastoreItem xmlns:ds="http://schemas.openxmlformats.org/officeDocument/2006/customXml" ds:itemID="{3C954CC5-1CAC-4EC3-9791-8630483065B9}">
+  <ds:schemaRefs>
+    <ds:schemaRef ds:uri="http://schemas.microsoft.com/VisualStudio/2011/storyboarding/control"/>
+  </ds:schemaRefs>
+</ds:datastoreItem>
+</file>
+
+<file path=customXml/itemProps2.xml><?xml version="1.0" encoding="utf-8"?>
+<ds:datastoreItem xmlns:ds="http://schemas.openxmlformats.org/officeDocument/2006/customXml" ds:itemID="{758FDAC0-319D-4A54-8D8E-1D42CB1F8004}">
+  <ds:schemaRefs>
+    <ds:schemaRef ds:uri="http://schemas.microsoft.com/sharepoint/v3/contenttype/forms"/>
+  </ds:schemaRefs>
+</ds:datastoreItem>
+</file>
+
+<file path=customXml/itemProps20.xml><?xml version="1.0" encoding="utf-8"?>
+<ds:datastoreItem xmlns:ds="http://schemas.openxmlformats.org/officeDocument/2006/customXml" ds:itemID="{8CFA17AA-8D1D-41BA-81E2-B1C9B1D8F8E0}">
+  <ds:schemaRefs>
+    <ds:schemaRef ds:uri="http://schemas.microsoft.com/sharepoint/v3/contenttype/forms"/>
+  </ds:schemaRefs>
+</ds:datastoreItem>
+</file>
+
+<file path=customXml/itemProps21.xml><?xml version="1.0" encoding="utf-8"?>
+<ds:datastoreItem xmlns:ds="http://schemas.openxmlformats.org/officeDocument/2006/customXml" ds:itemID="{6018CCD6-C254-44D3-91D5-EC4D81FDEBEC}">
   <ds:schemaRefs>
     <ds:schemaRef ds:uri="http://schemas.microsoft.com/office/2006/metadata/properties"/>
     <ds:schemaRef ds:uri="http://schemas.microsoft.com/office/infopath/2007/PartnerControls"/>
@@ -48343,8 +49388,24 @@
 </ds:datastoreItem>
 </file>
 
+<file path=customXml/itemProps22.xml><?xml version="1.0" encoding="utf-8"?>
+<ds:datastoreItem xmlns:ds="http://schemas.openxmlformats.org/officeDocument/2006/customXml" ds:itemID="{8E7D1C6F-2F1C-4FF7-8E81-B00199180E81}">
+  <ds:schemaRefs>
+    <ds:schemaRef ds:uri="http://schemas.microsoft.com/sharepoint/v3/contenttype/forms"/>
+  </ds:schemaRefs>
+</ds:datastoreItem>
+</file>
+
+<file path=customXml/itemProps23.xml><?xml version="1.0" encoding="utf-8"?>
+<ds:datastoreItem xmlns:ds="http://schemas.openxmlformats.org/officeDocument/2006/customXml" ds:itemID="{42D603BF-B513-4201-A599-21BA0F4FFC40}">
+  <ds:schemaRefs>
+    <ds:schemaRef ds:uri="http://schemas.microsoft.com/VisualStudio/2011/storyboarding/control"/>
+  </ds:schemaRefs>
+</ds:datastoreItem>
+</file>
+
 <file path=customXml/itemProps24.xml><?xml version="1.0" encoding="utf-8"?>
-<ds:datastoreItem xmlns:ds="http://schemas.openxmlformats.org/officeDocument/2006/customXml" ds:itemID="{ED350DFE-2319-4AB0-BC96-1D36D125365A}">
+<ds:datastoreItem xmlns:ds="http://schemas.openxmlformats.org/officeDocument/2006/customXml" ds:itemID="{6FB9D450-4C47-4A44-8C0D-C78D8A54C46F}">
   <ds:schemaRefs>
     <ds:schemaRef ds:uri="http://schemas.microsoft.com/VisualStudio/2011/storyboarding/control"/>
   </ds:schemaRefs>
@@ -48352,6 +49413,14 @@
 </file>
 
 <file path=customXml/itemProps25.xml><?xml version="1.0" encoding="utf-8"?>
+<ds:datastoreItem xmlns:ds="http://schemas.openxmlformats.org/officeDocument/2006/customXml" ds:itemID="{0282FB20-2D4C-459D-8468-77D1D3C6925D}">
+  <ds:schemaRefs>
+    <ds:schemaRef ds:uri="http://schemas.microsoft.com/VisualStudio/2011/storyboarding/control"/>
+  </ds:schemaRefs>
+</ds:datastoreItem>
+</file>
+
+<file path=customXml/itemProps26.xml><?xml version="1.0" encoding="utf-8"?>
 <ds:datastoreItem xmlns:ds="http://schemas.openxmlformats.org/officeDocument/2006/customXml" ds:itemID="{8893E80D-6D0C-4E0F-AA22-E5615BB87E5B}">
   <ds:schemaRefs>
     <ds:schemaRef ds:uri="http://schemas.microsoft.com/VisualStudio/2011/storyboarding/control"/>
@@ -48359,73 +49428,7 @@
 </ds:datastoreItem>
 </file>
 
-<file path=customXml/itemProps26.xml><?xml version="1.0" encoding="utf-8"?>
-<ds:datastoreItem xmlns:ds="http://schemas.openxmlformats.org/officeDocument/2006/customXml" ds:itemID="{CA892322-6599-4C5A-B402-BE6DBAED9B8E}">
-  <ds:schemaRefs>
-    <ds:schemaRef ds:uri="http://schemas.microsoft.com/office/2006/metadata/properties"/>
-    <ds:schemaRef ds:uri="http://schemas.microsoft.com/office/infopath/2007/PartnerControls"/>
-    <ds:schemaRef ds:uri="83cd2334-221a-48c3-9034-bfd1542dfe28"/>
-  </ds:schemaRefs>
-</ds:datastoreItem>
-</file>
-
 <file path=customXml/itemProps27.xml><?xml version="1.0" encoding="utf-8"?>
-<ds:datastoreItem xmlns:ds="http://schemas.openxmlformats.org/officeDocument/2006/customXml" ds:itemID="{470353D1-3545-4BE2-A17C-548BF46AD9BC}">
-  <ds:schemaRefs>
-    <ds:schemaRef ds:uri="http://schemas.microsoft.com/sharepoint/v3/contenttype/forms"/>
-  </ds:schemaRefs>
-</ds:datastoreItem>
-</file>
-
-<file path=customXml/itemProps28.xml><?xml version="1.0" encoding="utf-8"?>
-<ds:datastoreItem xmlns:ds="http://schemas.openxmlformats.org/officeDocument/2006/customXml" ds:itemID="{8BD595CA-AC5E-43B9-B966-E468A16E8322}">
-  <ds:schemaRefs>
-    <ds:schemaRef ds:uri="http://schemas.microsoft.com/VisualStudio/2011/storyboarding/control"/>
-  </ds:schemaRefs>
-</ds:datastoreItem>
-</file>
-
-<file path=customXml/itemProps29.xml><?xml version="1.0" encoding="utf-8"?>
-<ds:datastoreItem xmlns:ds="http://schemas.openxmlformats.org/officeDocument/2006/customXml" ds:itemID="{3DC6CABD-46E1-4C27-A0B3-616DC56F8E5C}">
-  <ds:schemaRefs>
-    <ds:schemaRef ds:uri="http://schemas.microsoft.com/VisualStudio/2011/storyboarding/control"/>
-  </ds:schemaRefs>
-</ds:datastoreItem>
-</file>
-
-<file path=customXml/itemProps3.xml><?xml version="1.0" encoding="utf-8"?>
-<ds:datastoreItem xmlns:ds="http://schemas.openxmlformats.org/officeDocument/2006/customXml" ds:itemID="{42D603BF-B513-4201-A599-21BA0F4FFC40}">
-  <ds:schemaRefs>
-    <ds:schemaRef ds:uri="http://schemas.microsoft.com/VisualStudio/2011/storyboarding/control"/>
-  </ds:schemaRefs>
-</ds:datastoreItem>
-</file>
-
-<file path=customXml/itemProps30.xml><?xml version="1.0" encoding="utf-8"?>
-<ds:datastoreItem xmlns:ds="http://schemas.openxmlformats.org/officeDocument/2006/customXml" ds:itemID="{38217AA1-CC95-49A9-B284-2ED4D347D7CA}">
-  <ds:schemaRefs>
-    <ds:schemaRef ds:uri="http://schemas.microsoft.com/VisualStudio/2011/storyboarding/control"/>
-  </ds:schemaRefs>
-</ds:datastoreItem>
-</file>
-
-<file path=customXml/itemProps31.xml><?xml version="1.0" encoding="utf-8"?>
-<ds:datastoreItem xmlns:ds="http://schemas.openxmlformats.org/officeDocument/2006/customXml" ds:itemID="{4B16F4FE-7C26-4443-B426-81998D23ED87}">
-  <ds:schemaRefs>
-    <ds:schemaRef ds:uri="http://schemas.microsoft.com/VisualStudio/2011/storyboarding/control"/>
-  </ds:schemaRefs>
-</ds:datastoreItem>
-</file>
-
-<file path=customXml/itemProps32.xml><?xml version="1.0" encoding="utf-8"?>
-<ds:datastoreItem xmlns:ds="http://schemas.openxmlformats.org/officeDocument/2006/customXml" ds:itemID="{8257D6BC-B71E-4D95-81E4-A1D4A8174168}">
-  <ds:schemaRefs>
-    <ds:schemaRef ds:uri="http://schemas.microsoft.com/VisualStudio/2011/storyboarding/control"/>
-  </ds:schemaRefs>
-</ds:datastoreItem>
-</file>
-
-<file path=customXml/itemProps33.xml><?xml version="1.0" encoding="utf-8"?>
 <ds:datastoreItem xmlns:ds="http://schemas.openxmlformats.org/officeDocument/2006/customXml" ds:itemID="{B18102BA-C10B-41D1-8610-3D321D638DD2}">
   <ds:schemaRefs>
     <ds:schemaRef ds:uri="http://schemas.microsoft.com/office/2006/metadata/properties"/>
@@ -48435,32 +49438,24 @@
 </ds:datastoreItem>
 </file>
 
-<file path=customXml/itemProps34.xml><?xml version="1.0" encoding="utf-8"?>
-<ds:datastoreItem xmlns:ds="http://schemas.openxmlformats.org/officeDocument/2006/customXml" ds:itemID="{C63AC2F0-1DEB-4E91-A88A-7A014A172F4F}">
+<file path=customXml/itemProps28.xml><?xml version="1.0" encoding="utf-8"?>
+<ds:datastoreItem xmlns:ds="http://schemas.openxmlformats.org/officeDocument/2006/customXml" ds:itemID="{2F30C844-8093-47D2-A9B2-B7BEE821CE68}">
+  <ds:schemaRefs>
+    <ds:schemaRef ds:uri="http://schemas.microsoft.com/sharepoint/v3/contenttype/forms"/>
+  </ds:schemaRefs>
+</ds:datastoreItem>
+</file>
+
+<file path=customXml/itemProps29.xml><?xml version="1.0" encoding="utf-8"?>
+<ds:datastoreItem xmlns:ds="http://schemas.openxmlformats.org/officeDocument/2006/customXml" ds:itemID="{FE651ABA-5DC1-4ABD-A06E-055AE54B337B}">
   <ds:schemaRefs>
     <ds:schemaRef ds:uri="http://schemas.microsoft.com/VisualStudio/2011/storyboarding/control"/>
   </ds:schemaRefs>
 </ds:datastoreItem>
 </file>
 
-<file path=customXml/itemProps35.xml><?xml version="1.0" encoding="utf-8"?>
-<ds:datastoreItem xmlns:ds="http://schemas.openxmlformats.org/officeDocument/2006/customXml" ds:itemID="{3C954CC5-1CAC-4EC3-9791-8630483065B9}">
-  <ds:schemaRefs>
-    <ds:schemaRef ds:uri="http://schemas.microsoft.com/VisualStudio/2011/storyboarding/control"/>
-  </ds:schemaRefs>
-</ds:datastoreItem>
-</file>
-
-<file path=customXml/itemProps36.xml><?xml version="1.0" encoding="utf-8"?>
-<ds:datastoreItem xmlns:ds="http://schemas.openxmlformats.org/officeDocument/2006/customXml" ds:itemID="{9360AFB9-8F99-4E1B-878D-F2EBABEB164C}">
-  <ds:schemaRefs>
-    <ds:schemaRef ds:uri="http://schemas.microsoft.com/sharepoint/v3/contenttype/forms"/>
-  </ds:schemaRefs>
-</ds:datastoreItem>
-</file>
-
-<file path=customXml/itemProps37.xml><?xml version="1.0" encoding="utf-8"?>
-<ds:datastoreItem xmlns:ds="http://schemas.openxmlformats.org/officeDocument/2006/customXml" ds:itemID="{1C76383C-FD09-474B-94B3-126FB1A7D094}">
+<file path=customXml/itemProps3.xml><?xml version="1.0" encoding="utf-8"?>
+<ds:datastoreItem xmlns:ds="http://schemas.openxmlformats.org/officeDocument/2006/customXml" ds:itemID="{F990F116-B58F-4255-B05B-DA3808E0E5C6}">
   <ds:schemaRefs>
     <ds:schemaRef ds:uri="http://schemas.microsoft.com/office/2006/metadata/properties"/>
     <ds:schemaRef ds:uri="http://schemas.microsoft.com/office/infopath/2007/PartnerControls"/>
@@ -48469,41 +49464,15 @@
 </ds:datastoreItem>
 </file>
 
-<file path=customXml/itemProps38.xml><?xml version="1.0" encoding="utf-8"?>
-<ds:datastoreItem xmlns:ds="http://schemas.openxmlformats.org/officeDocument/2006/customXml" ds:itemID="{2F30C844-8093-47D2-A9B2-B7BEE821CE68}">
-  <ds:schemaRefs>
-    <ds:schemaRef ds:uri="http://schemas.microsoft.com/sharepoint/v3/contenttype/forms"/>
-  </ds:schemaRefs>
-</ds:datastoreItem>
-</file>
-
-<file path=customXml/itemProps39.xml><?xml version="1.0" encoding="utf-8"?>
-<ds:datastoreItem xmlns:ds="http://schemas.openxmlformats.org/officeDocument/2006/customXml" ds:itemID="{4E805D65-1532-4BB0-8F41-8013167C0009}">
+<file path=customXml/itemProps30.xml><?xml version="1.0" encoding="utf-8"?>
+<ds:datastoreItem xmlns:ds="http://schemas.openxmlformats.org/officeDocument/2006/customXml" ds:itemID="{4C1B3C27-4803-4D72-A3F8-6668A3F0A24B}">
   <ds:schemaRefs>
     <ds:schemaRef ds:uri="http://schemas.microsoft.com/VisualStudio/2011/storyboarding/control"/>
   </ds:schemaRefs>
 </ds:datastoreItem>
 </file>
 
-<file path=customXml/itemProps4.xml><?xml version="1.0" encoding="utf-8"?>
-<ds:datastoreItem xmlns:ds="http://schemas.openxmlformats.org/officeDocument/2006/customXml" ds:itemID="{17A7EC28-79CF-44E6-BA48-85916A7F29F5}">
-  <ds:schemaRefs>
-    <ds:schemaRef ds:uri="http://schemas.microsoft.com/office/2006/metadata/properties"/>
-    <ds:schemaRef ds:uri="http://schemas.microsoft.com/office/infopath/2007/PartnerControls"/>
-    <ds:schemaRef ds:uri="83cd2334-221a-48c3-9034-bfd1542dfe28"/>
-  </ds:schemaRefs>
-</ds:datastoreItem>
-</file>
-
-<file path=customXml/itemProps40.xml><?xml version="1.0" encoding="utf-8"?>
-<ds:datastoreItem xmlns:ds="http://schemas.openxmlformats.org/officeDocument/2006/customXml" ds:itemID="{C0F92A87-A216-45A9-B9C0-0515663D35BF}">
-  <ds:schemaRefs>
-    <ds:schemaRef ds:uri="http://schemas.microsoft.com/VisualStudio/2011/storyboarding/control"/>
-  </ds:schemaRefs>
-</ds:datastoreItem>
-</file>
-
-<file path=customXml/itemProps41.xml><?xml version="1.0" encoding="utf-8"?>
+<file path=customXml/itemProps31.xml><?xml version="1.0" encoding="utf-8"?>
 <ds:datastoreItem xmlns:ds="http://schemas.openxmlformats.org/officeDocument/2006/customXml" ds:itemID="{11F98F69-7518-4AE2-AE7B-E037DC9DDC97}">
   <ds:schemaRefs>
     <ds:schemaRef ds:uri="http://schemas.microsoft.com/office/2006/metadata/contentType"/>
@@ -48521,23 +49490,91 @@
 </ds:datastoreItem>
 </file>
 
-<file path=customXml/itemProps42.xml><?xml version="1.0" encoding="utf-8"?>
-<ds:datastoreItem xmlns:ds="http://schemas.openxmlformats.org/officeDocument/2006/customXml" ds:itemID="{82DB428A-B8F8-483F-8276-095629A8ECDB}">
+<file path=customXml/itemProps32.xml><?xml version="1.0" encoding="utf-8"?>
+<ds:datastoreItem xmlns:ds="http://schemas.openxmlformats.org/officeDocument/2006/customXml" ds:itemID="{B5105A87-47B6-44F6-97FD-4619C0556604}">
   <ds:schemaRefs>
     <ds:schemaRef ds:uri="http://schemas.microsoft.com/VisualStudio/2011/storyboarding/control"/>
   </ds:schemaRefs>
 </ds:datastoreItem>
 </file>
 
-<file path=customXml/itemProps43.xml><?xml version="1.0" encoding="utf-8"?>
-<ds:datastoreItem xmlns:ds="http://schemas.openxmlformats.org/officeDocument/2006/customXml" ds:itemID="{8CFA17AA-8D1D-41BA-81E2-B1C9B1D8F8E0}">
+<file path=customXml/itemProps33.xml><?xml version="1.0" encoding="utf-8"?>
+<ds:datastoreItem xmlns:ds="http://schemas.openxmlformats.org/officeDocument/2006/customXml" ds:itemID="{08C4EE12-DF69-4FFC-9E40-C7991F3490A6}">
+  <ds:schemaRefs>
+    <ds:schemaRef ds:uri="http://schemas.microsoft.com/VisualStudio/2011/storyboarding/control"/>
+  </ds:schemaRefs>
+</ds:datastoreItem>
+</file>
+
+<file path=customXml/itemProps34.xml><?xml version="1.0" encoding="utf-8"?>
+<ds:datastoreItem xmlns:ds="http://schemas.openxmlformats.org/officeDocument/2006/customXml" ds:itemID="{E692D73E-1478-4790-BEEC-C5C534998F40}">
+  <ds:schemaRefs>
+    <ds:schemaRef ds:uri="http://schemas.microsoft.com/office/2006/metadata/properties"/>
+    <ds:schemaRef ds:uri="http://schemas.microsoft.com/office/infopath/2007/PartnerControls"/>
+    <ds:schemaRef ds:uri="83cd2334-221a-48c3-9034-bfd1542dfe28"/>
+  </ds:schemaRefs>
+</ds:datastoreItem>
+</file>
+
+<file path=customXml/itemProps35.xml><?xml version="1.0" encoding="utf-8"?>
+<ds:datastoreItem xmlns:ds="http://schemas.openxmlformats.org/officeDocument/2006/customXml" ds:itemID="{92635D88-0993-4B04-96FB-0CD3C29A8A44}">
+  <ds:schemaRefs>
+    <ds:schemaRef ds:uri="http://schemas.microsoft.com/office/2006/metadata/properties"/>
+    <ds:schemaRef ds:uri="http://schemas.microsoft.com/office/infopath/2007/PartnerControls"/>
+    <ds:schemaRef ds:uri="83cd2334-221a-48c3-9034-bfd1542dfe28"/>
+  </ds:schemaRefs>
+</ds:datastoreItem>
+</file>
+
+<file path=customXml/itemProps36.xml><?xml version="1.0" encoding="utf-8"?>
+<ds:datastoreItem xmlns:ds="http://schemas.openxmlformats.org/officeDocument/2006/customXml" ds:itemID="{8BD595CA-AC5E-43B9-B966-E468A16E8322}">
+  <ds:schemaRefs>
+    <ds:schemaRef ds:uri="http://schemas.microsoft.com/VisualStudio/2011/storyboarding/control"/>
+  </ds:schemaRefs>
+</ds:datastoreItem>
+</file>
+
+<file path=customXml/itemProps37.xml><?xml version="1.0" encoding="utf-8"?>
+<ds:datastoreItem xmlns:ds="http://schemas.openxmlformats.org/officeDocument/2006/customXml" ds:itemID="{9360AFB9-8F99-4E1B-878D-F2EBABEB164C}">
   <ds:schemaRefs>
     <ds:schemaRef ds:uri="http://schemas.microsoft.com/sharepoint/v3/contenttype/forms"/>
   </ds:schemaRefs>
 </ds:datastoreItem>
 </file>
 
-<file path=customXml/itemProps44.xml><?xml version="1.0" encoding="utf-8"?>
+<file path=customXml/itemProps38.xml><?xml version="1.0" encoding="utf-8"?>
+<ds:datastoreItem xmlns:ds="http://schemas.openxmlformats.org/officeDocument/2006/customXml" ds:itemID="{4E8278DB-3CDD-48A7-992E-A7596AD335B9}">
+  <ds:schemaRefs>
+    <ds:schemaRef ds:uri="http://schemas.microsoft.com/VisualStudio/2011/storyboarding/control"/>
+  </ds:schemaRefs>
+</ds:datastoreItem>
+</file>
+
+<file path=customXml/itemProps39.xml><?xml version="1.0" encoding="utf-8"?>
+<ds:datastoreItem xmlns:ds="http://schemas.openxmlformats.org/officeDocument/2006/customXml" ds:itemID="{376216F9-AF6B-4844-AE8C-B9F953F916AB}">
+  <ds:schemaRefs>
+    <ds:schemaRef ds:uri="http://schemas.microsoft.com/VisualStudio/2011/storyboarding/control"/>
+  </ds:schemaRefs>
+</ds:datastoreItem>
+</file>
+
+<file path=customXml/itemProps4.xml><?xml version="1.0" encoding="utf-8"?>
+<ds:datastoreItem xmlns:ds="http://schemas.openxmlformats.org/officeDocument/2006/customXml" ds:itemID="{D6FEE829-2115-45B4-8110-670FD454542B}">
+  <ds:schemaRefs>
+    <ds:schemaRef ds:uri="http://schemas.microsoft.com/VisualStudio/2011/storyboarding/control"/>
+  </ds:schemaRefs>
+</ds:datastoreItem>
+</file>
+
+<file path=customXml/itemProps40.xml><?xml version="1.0" encoding="utf-8"?>
+<ds:datastoreItem xmlns:ds="http://schemas.openxmlformats.org/officeDocument/2006/customXml" ds:itemID="{4B16F4FE-7C26-4443-B426-81998D23ED87}">
+  <ds:schemaRefs>
+    <ds:schemaRef ds:uri="http://schemas.microsoft.com/VisualStudio/2011/storyboarding/control"/>
+  </ds:schemaRefs>
+</ds:datastoreItem>
+</file>
+
+<file path=customXml/itemProps41.xml><?xml version="1.0" encoding="utf-8"?>
 <ds:datastoreItem xmlns:ds="http://schemas.openxmlformats.org/officeDocument/2006/customXml" ds:itemID="{71AE1ABA-EE71-4D7C-AE19-D2A04FC317D0}">
   <ds:schemaRefs>
     <ds:schemaRef ds:uri="http://schemas.microsoft.com/sharepoint/v3/contenttype/forms"/>
@@ -48545,16 +49582,42 @@
 </ds:datastoreItem>
 </file>
 
-<file path=customXml/itemProps45.xml><?xml version="1.0" encoding="utf-8"?>
-<ds:datastoreItem xmlns:ds="http://schemas.openxmlformats.org/officeDocument/2006/customXml" ds:itemID="{7959CC6A-F423-4783-B968-3BCC86A7394E}">
+<file path=customXml/itemProps42.xml><?xml version="1.0" encoding="utf-8"?>
+<ds:datastoreItem xmlns:ds="http://schemas.openxmlformats.org/officeDocument/2006/customXml" ds:itemID="{17A7EC28-79CF-44E6-BA48-85916A7F29F5}">
+  <ds:schemaRefs>
+    <ds:schemaRef ds:uri="http://schemas.microsoft.com/office/2006/metadata/properties"/>
+    <ds:schemaRef ds:uri="http://schemas.microsoft.com/office/infopath/2007/PartnerControls"/>
+    <ds:schemaRef ds:uri="83cd2334-221a-48c3-9034-bfd1542dfe28"/>
+  </ds:schemaRefs>
+</ds:datastoreItem>
+</file>
+
+<file path=customXml/itemProps43.xml><?xml version="1.0" encoding="utf-8"?>
+<ds:datastoreItem xmlns:ds="http://schemas.openxmlformats.org/officeDocument/2006/customXml" ds:itemID="{366CA990-F93D-4100-9654-65D9E30F4E1C}">
   <ds:schemaRefs>
     <ds:schemaRef ds:uri="http://schemas.microsoft.com/VisualStudio/2011/storyboarding/control"/>
   </ds:schemaRefs>
 </ds:datastoreItem>
 </file>
 
+<file path=customXml/itemProps44.xml><?xml version="1.0" encoding="utf-8"?>
+<ds:datastoreItem xmlns:ds="http://schemas.openxmlformats.org/officeDocument/2006/customXml" ds:itemID="{D4B5F268-5930-44CD-BDF1-D0A04D4BBC1C}">
+  <ds:schemaRefs>
+    <ds:schemaRef ds:uri="http://schemas.microsoft.com/VisualStudio/2011/storyboarding/control"/>
+  </ds:schemaRefs>
+</ds:datastoreItem>
+</file>
+
+<file path=customXml/itemProps45.xml><?xml version="1.0" encoding="utf-8"?>
+<ds:datastoreItem xmlns:ds="http://schemas.openxmlformats.org/officeDocument/2006/customXml" ds:itemID="{479863CC-31E1-4D69-82E8-783AC6DA0219}">
+  <ds:schemaRefs>
+    <ds:schemaRef ds:uri="http://schemas.microsoft.com/sharepoint/v3/contenttype/forms"/>
+  </ds:schemaRefs>
+</ds:datastoreItem>
+</file>
+
 <file path=customXml/itemProps46.xml><?xml version="1.0" encoding="utf-8"?>
-<ds:datastoreItem xmlns:ds="http://schemas.openxmlformats.org/officeDocument/2006/customXml" ds:itemID="{FE651ABA-5DC1-4ABD-A06E-055AE54B337B}">
+<ds:datastoreItem xmlns:ds="http://schemas.openxmlformats.org/officeDocument/2006/customXml" ds:itemID="{4E805D65-1532-4BB0-8F41-8013167C0009}">
   <ds:schemaRefs>
     <ds:schemaRef ds:uri="http://schemas.microsoft.com/VisualStudio/2011/storyboarding/control"/>
   </ds:schemaRefs>
@@ -48562,15 +49625,15 @@
 </file>
 
 <file path=customXml/itemProps47.xml><?xml version="1.0" encoding="utf-8"?>
-<ds:datastoreItem xmlns:ds="http://schemas.openxmlformats.org/officeDocument/2006/customXml" ds:itemID="{758FDAC0-319D-4A54-8D8E-1D42CB1F8004}">
+<ds:datastoreItem xmlns:ds="http://schemas.openxmlformats.org/officeDocument/2006/customXml" ds:itemID="{C63AC2F0-1DEB-4E91-A88A-7A014A172F4F}">
   <ds:schemaRefs>
-    <ds:schemaRef ds:uri="http://schemas.microsoft.com/sharepoint/v3/contenttype/forms"/>
+    <ds:schemaRef ds:uri="http://schemas.microsoft.com/VisualStudio/2011/storyboarding/control"/>
   </ds:schemaRefs>
 </ds:datastoreItem>
 </file>
 
 <file path=customXml/itemProps48.xml><?xml version="1.0" encoding="utf-8"?>
-<ds:datastoreItem xmlns:ds="http://schemas.openxmlformats.org/officeDocument/2006/customXml" ds:itemID="{6018CCD6-C254-44D3-91D5-EC4D81FDEBEC}">
+<ds:datastoreItem xmlns:ds="http://schemas.openxmlformats.org/officeDocument/2006/customXml" ds:itemID="{CA892322-6599-4C5A-B402-BE6DBAED9B8E}">
   <ds:schemaRefs>
     <ds:schemaRef ds:uri="http://schemas.microsoft.com/office/2006/metadata/properties"/>
     <ds:schemaRef ds:uri="http://schemas.microsoft.com/office/infopath/2007/PartnerControls"/>
@@ -48580,7 +49643,7 @@
 </file>
 
 <file path=customXml/itemProps49.xml><?xml version="1.0" encoding="utf-8"?>
-<ds:datastoreItem xmlns:ds="http://schemas.openxmlformats.org/officeDocument/2006/customXml" ds:itemID="{4E8278DB-3CDD-48A7-992E-A7596AD335B9}">
+<ds:datastoreItem xmlns:ds="http://schemas.openxmlformats.org/officeDocument/2006/customXml" ds:itemID="{F68D8396-E21C-4AFF-8FDD-70D00673D0EE}">
   <ds:schemaRefs>
     <ds:schemaRef ds:uri="http://schemas.microsoft.com/VisualStudio/2011/storyboarding/control"/>
   </ds:schemaRefs>
@@ -48588,7 +49651,7 @@
 </file>
 
 <file path=customXml/itemProps5.xml><?xml version="1.0" encoding="utf-8"?>
-<ds:datastoreItem xmlns:ds="http://schemas.openxmlformats.org/officeDocument/2006/customXml" ds:itemID="{67213E6F-7B96-4222-888B-63710B06D885}">
+<ds:datastoreItem xmlns:ds="http://schemas.openxmlformats.org/officeDocument/2006/customXml" ds:itemID="{21F6B647-976A-41D0-B760-9DF9DFC6AE3C}">
   <ds:schemaRefs>
     <ds:schemaRef ds:uri="http://schemas.microsoft.com/VisualStudio/2011/storyboarding/control"/>
   </ds:schemaRefs>
@@ -48596,7 +49659,7 @@
 </file>
 
 <file path=customXml/itemProps6.xml><?xml version="1.0" encoding="utf-8"?>
-<ds:datastoreItem xmlns:ds="http://schemas.openxmlformats.org/officeDocument/2006/customXml" ds:itemID="{08C4EE12-DF69-4FFC-9E40-C7991F3490A6}">
+<ds:datastoreItem xmlns:ds="http://schemas.openxmlformats.org/officeDocument/2006/customXml" ds:itemID="{3DC6CABD-46E1-4C27-A0B3-616DC56F8E5C}">
   <ds:schemaRefs>
     <ds:schemaRef ds:uri="http://schemas.microsoft.com/VisualStudio/2011/storyboarding/control"/>
   </ds:schemaRefs>
@@ -48604,25 +49667,23 @@
 </file>
 
 <file path=customXml/itemProps7.xml><?xml version="1.0" encoding="utf-8"?>
-<ds:datastoreItem xmlns:ds="http://schemas.openxmlformats.org/officeDocument/2006/customXml" ds:itemID="{F990F116-B58F-4255-B05B-DA3808E0E5C6}">
+<ds:datastoreItem xmlns:ds="http://schemas.openxmlformats.org/officeDocument/2006/customXml" ds:itemID="{432851C6-BC05-4673-B853-6D08AB80CDC4}">
   <ds:schemaRefs>
-    <ds:schemaRef ds:uri="http://schemas.microsoft.com/office/2006/metadata/properties"/>
-    <ds:schemaRef ds:uri="http://schemas.microsoft.com/office/infopath/2007/PartnerControls"/>
-    <ds:schemaRef ds:uri="83cd2334-221a-48c3-9034-bfd1542dfe28"/>
+    <ds:schemaRef ds:uri="http://schemas.microsoft.com/VisualStudio/2011/storyboarding/control"/>
   </ds:schemaRefs>
 </ds:datastoreItem>
 </file>
 
 <file path=customXml/itemProps8.xml><?xml version="1.0" encoding="utf-8"?>
-<ds:datastoreItem xmlns:ds="http://schemas.openxmlformats.org/officeDocument/2006/customXml" ds:itemID="{8E7D1C6F-2F1C-4FF7-8E81-B00199180E81}">
+<ds:datastoreItem xmlns:ds="http://schemas.openxmlformats.org/officeDocument/2006/customXml" ds:itemID="{ED350DFE-2319-4AB0-BC96-1D36D125365A}">
   <ds:schemaRefs>
-    <ds:schemaRef ds:uri="http://schemas.microsoft.com/sharepoint/v3/contenttype/forms"/>
+    <ds:schemaRef ds:uri="http://schemas.microsoft.com/VisualStudio/2011/storyboarding/control"/>
   </ds:schemaRefs>
 </ds:datastoreItem>
 </file>
 
 <file path=customXml/itemProps9.xml><?xml version="1.0" encoding="utf-8"?>
-<ds:datastoreItem xmlns:ds="http://schemas.openxmlformats.org/officeDocument/2006/customXml" ds:itemID="{366CA990-F93D-4100-9654-65D9E30F4E1C}">
+<ds:datastoreItem xmlns:ds="http://schemas.openxmlformats.org/officeDocument/2006/customXml" ds:itemID="{8257D6BC-B71E-4D95-81E4-A1D4A8174168}">
   <ds:schemaRefs>
     <ds:schemaRef ds:uri="http://schemas.microsoft.com/VisualStudio/2011/storyboarding/control"/>
   </ds:schemaRefs>
